--- a/ワイヤーフレーム_セラピスト.pptx
+++ b/ワイヤーフレーム_セラピスト.pptx
@@ -2,12 +2,12 @@
 <file path=ppt/presentation.xml><?xml version="1.0" encoding="utf-8"?>
 <p:presentation xmlns:a="http://schemas.openxmlformats.org/drawingml/2006/main" xmlns:r="http://schemas.openxmlformats.org/officeDocument/2006/relationships" xmlns:p="http://schemas.openxmlformats.org/presentationml/2006/main" saveSubsetFonts="1">
   <p:sldMasterIdLst>
-    <p:sldMasterId id="2147483672" r:id="rId1"/>
+    <p:sldMasterId id="2147483684" r:id="rId1"/>
   </p:sldMasterIdLst>
   <p:sldIdLst>
     <p:sldId id="257" r:id="rId2"/>
   </p:sldIdLst>
-  <p:sldSz cx="6858000" cy="32399288"/>
+  <p:sldSz cx="6858000" cy="14400213"/>
   <p:notesSz cx="6858000" cy="9144000"/>
   <p:defaultTextStyle>
     <a:defPPr>
@@ -141,8 +141,8 @@
         </p:nvSpPr>
         <p:spPr>
           <a:xfrm>
-            <a:off x="514350" y="5302388"/>
-            <a:ext cx="5829300" cy="11279753"/>
+            <a:off x="514350" y="2356703"/>
+            <a:ext cx="5829300" cy="5013407"/>
           </a:xfrm>
         </p:spPr>
         <p:txBody>
@@ -173,8 +173,8 @@
         </p:nvSpPr>
         <p:spPr>
           <a:xfrm>
-            <a:off x="857250" y="17017128"/>
-            <a:ext cx="5143500" cy="7822326"/>
+            <a:off x="857250" y="7563446"/>
+            <a:ext cx="5143500" cy="3476717"/>
           </a:xfrm>
         </p:spPr>
         <p:txBody>
@@ -184,35 +184,35 @@
               <a:buNone/>
               <a:defRPr sz="1800"/>
             </a:lvl1pPr>
-            <a:lvl2pPr marL="342917" indent="0" algn="ctr">
+            <a:lvl2pPr marL="342900" indent="0" algn="ctr">
               <a:buNone/>
               <a:defRPr sz="1500"/>
             </a:lvl2pPr>
-            <a:lvl3pPr marL="685835" indent="0" algn="ctr">
+            <a:lvl3pPr marL="685800" indent="0" algn="ctr">
               <a:buNone/>
               <a:defRPr sz="1350"/>
             </a:lvl3pPr>
-            <a:lvl4pPr marL="1028751" indent="0" algn="ctr">
+            <a:lvl4pPr marL="1028700" indent="0" algn="ctr">
               <a:buNone/>
               <a:defRPr sz="1200"/>
             </a:lvl4pPr>
-            <a:lvl5pPr marL="1371669" indent="0" algn="ctr">
+            <a:lvl5pPr marL="1371600" indent="0" algn="ctr">
               <a:buNone/>
               <a:defRPr sz="1200"/>
             </a:lvl5pPr>
-            <a:lvl6pPr marL="1714586" indent="0" algn="ctr">
+            <a:lvl6pPr marL="1714500" indent="0" algn="ctr">
               <a:buNone/>
               <a:defRPr sz="1200"/>
             </a:lvl6pPr>
-            <a:lvl7pPr marL="2057504" indent="0" algn="ctr">
+            <a:lvl7pPr marL="2057400" indent="0" algn="ctr">
               <a:buNone/>
               <a:defRPr sz="1200"/>
             </a:lvl7pPr>
-            <a:lvl8pPr marL="2400420" indent="0" algn="ctr">
+            <a:lvl8pPr marL="2400300" indent="0" algn="ctr">
               <a:buNone/>
               <a:defRPr sz="1200"/>
             </a:lvl8pPr>
-            <a:lvl9pPr marL="2743337" indent="0" algn="ctr">
+            <a:lvl9pPr marL="2743200" indent="0" algn="ctr">
               <a:buNone/>
               <a:defRPr sz="1200"/>
             </a:lvl9pPr>
@@ -294,7 +294,7 @@
     </p:spTree>
     <p:extLst>
       <p:ext uri="{BB962C8B-B14F-4D97-AF65-F5344CB8AC3E}">
-        <p14:creationId xmlns:p14="http://schemas.microsoft.com/office/powerpoint/2010/main" val="1685462767"/>
+        <p14:creationId xmlns:p14="http://schemas.microsoft.com/office/powerpoint/2010/main" val="3303786725"/>
       </p:ext>
     </p:extLst>
   </p:cSld>
@@ -496,7 +496,7 @@
     </p:spTree>
     <p:extLst>
       <p:ext uri="{BB962C8B-B14F-4D97-AF65-F5344CB8AC3E}">
-        <p14:creationId xmlns:p14="http://schemas.microsoft.com/office/powerpoint/2010/main" val="4100589169"/>
+        <p14:creationId xmlns:p14="http://schemas.microsoft.com/office/powerpoint/2010/main" val="1538130035"/>
       </p:ext>
     </p:extLst>
   </p:cSld>
@@ -535,8 +535,8 @@
         </p:nvSpPr>
         <p:spPr>
           <a:xfrm>
-            <a:off x="4907757" y="1724965"/>
-            <a:ext cx="1478756" cy="27456899"/>
+            <a:off x="4907757" y="766678"/>
+            <a:ext cx="1478756" cy="12203515"/>
           </a:xfrm>
         </p:spPr>
         <p:txBody>
@@ -563,8 +563,8 @@
         </p:nvSpPr>
         <p:spPr>
           <a:xfrm>
-            <a:off x="471488" y="1724965"/>
-            <a:ext cx="4350544" cy="27456899"/>
+            <a:off x="471488" y="766678"/>
+            <a:ext cx="4350544" cy="12203515"/>
           </a:xfrm>
         </p:spPr>
         <p:txBody>
@@ -708,7 +708,7 @@
     </p:spTree>
     <p:extLst>
       <p:ext uri="{BB962C8B-B14F-4D97-AF65-F5344CB8AC3E}">
-        <p14:creationId xmlns:p14="http://schemas.microsoft.com/office/powerpoint/2010/main" val="2203280659"/>
+        <p14:creationId xmlns:p14="http://schemas.microsoft.com/office/powerpoint/2010/main" val="3530751251"/>
       </p:ext>
     </p:extLst>
   </p:cSld>
@@ -910,7 +910,7 @@
     </p:spTree>
     <p:extLst>
       <p:ext uri="{BB962C8B-B14F-4D97-AF65-F5344CB8AC3E}">
-        <p14:creationId xmlns:p14="http://schemas.microsoft.com/office/powerpoint/2010/main" val="1036679050"/>
+        <p14:creationId xmlns:p14="http://schemas.microsoft.com/office/powerpoint/2010/main" val="3590163589"/>
       </p:ext>
     </p:extLst>
   </p:cSld>
@@ -949,8 +949,8 @@
         </p:nvSpPr>
         <p:spPr>
           <a:xfrm>
-            <a:off x="467920" y="8077334"/>
-            <a:ext cx="5915025" cy="13477202"/>
+            <a:off x="467916" y="3590057"/>
+            <a:ext cx="5915025" cy="5990088"/>
           </a:xfrm>
         </p:spPr>
         <p:txBody>
@@ -981,8 +981,8 @@
         </p:nvSpPr>
         <p:spPr>
           <a:xfrm>
-            <a:off x="467920" y="21682034"/>
-            <a:ext cx="5915025" cy="7087343"/>
+            <a:off x="467916" y="9636813"/>
+            <a:ext cx="5915025" cy="3150046"/>
           </a:xfrm>
         </p:spPr>
         <p:txBody>
@@ -996,7 +996,7 @@
                 </a:solidFill>
               </a:defRPr>
             </a:lvl1pPr>
-            <a:lvl2pPr marL="342917" indent="0">
+            <a:lvl2pPr marL="342900" indent="0">
               <a:buNone/>
               <a:defRPr sz="1500">
                 <a:solidFill>
@@ -1006,7 +1006,7 @@
                 </a:solidFill>
               </a:defRPr>
             </a:lvl2pPr>
-            <a:lvl3pPr marL="685835" indent="0">
+            <a:lvl3pPr marL="685800" indent="0">
               <a:buNone/>
               <a:defRPr sz="1350">
                 <a:solidFill>
@@ -1016,7 +1016,7 @@
                 </a:solidFill>
               </a:defRPr>
             </a:lvl3pPr>
-            <a:lvl4pPr marL="1028751" indent="0">
+            <a:lvl4pPr marL="1028700" indent="0">
               <a:buNone/>
               <a:defRPr sz="1200">
                 <a:solidFill>
@@ -1026,7 +1026,7 @@
                 </a:solidFill>
               </a:defRPr>
             </a:lvl4pPr>
-            <a:lvl5pPr marL="1371669" indent="0">
+            <a:lvl5pPr marL="1371600" indent="0">
               <a:buNone/>
               <a:defRPr sz="1200">
                 <a:solidFill>
@@ -1036,7 +1036,7 @@
                 </a:solidFill>
               </a:defRPr>
             </a:lvl5pPr>
-            <a:lvl6pPr marL="1714586" indent="0">
+            <a:lvl6pPr marL="1714500" indent="0">
               <a:buNone/>
               <a:defRPr sz="1200">
                 <a:solidFill>
@@ -1046,7 +1046,7 @@
                 </a:solidFill>
               </a:defRPr>
             </a:lvl6pPr>
-            <a:lvl7pPr marL="2057504" indent="0">
+            <a:lvl7pPr marL="2057400" indent="0">
               <a:buNone/>
               <a:defRPr sz="1200">
                 <a:solidFill>
@@ -1056,7 +1056,7 @@
                 </a:solidFill>
               </a:defRPr>
             </a:lvl7pPr>
-            <a:lvl8pPr marL="2400420" indent="0">
+            <a:lvl8pPr marL="2400300" indent="0">
               <a:buNone/>
               <a:defRPr sz="1200">
                 <a:solidFill>
@@ -1066,7 +1066,7 @@
                 </a:solidFill>
               </a:defRPr>
             </a:lvl8pPr>
-            <a:lvl9pPr marL="2743337" indent="0">
+            <a:lvl9pPr marL="2743200" indent="0">
               <a:buNone/>
               <a:defRPr sz="1200">
                 <a:solidFill>
@@ -1154,7 +1154,7 @@
     </p:spTree>
     <p:extLst>
       <p:ext uri="{BB962C8B-B14F-4D97-AF65-F5344CB8AC3E}">
-        <p14:creationId xmlns:p14="http://schemas.microsoft.com/office/powerpoint/2010/main" val="1101917985"/>
+        <p14:creationId xmlns:p14="http://schemas.microsoft.com/office/powerpoint/2010/main" val="2492012939"/>
       </p:ext>
     </p:extLst>
   </p:cSld>
@@ -1216,8 +1216,8 @@
         </p:nvSpPr>
         <p:spPr>
           <a:xfrm>
-            <a:off x="471488" y="8624811"/>
-            <a:ext cx="2914650" cy="20557050"/>
+            <a:off x="471488" y="3833390"/>
+            <a:ext cx="2914650" cy="9136803"/>
           </a:xfrm>
         </p:spPr>
         <p:txBody>
@@ -1305,8 +1305,8 @@
         </p:nvSpPr>
         <p:spPr>
           <a:xfrm>
-            <a:off x="3471863" y="8624811"/>
-            <a:ext cx="2914650" cy="20557050"/>
+            <a:off x="3471863" y="3833390"/>
+            <a:ext cx="2914650" cy="9136803"/>
           </a:xfrm>
         </p:spPr>
         <p:txBody>
@@ -1450,7 +1450,7 @@
     </p:spTree>
     <p:extLst>
       <p:ext uri="{BB962C8B-B14F-4D97-AF65-F5344CB8AC3E}">
-        <p14:creationId xmlns:p14="http://schemas.microsoft.com/office/powerpoint/2010/main" val="1082454046"/>
+        <p14:creationId xmlns:p14="http://schemas.microsoft.com/office/powerpoint/2010/main" val="1917265164"/>
       </p:ext>
     </p:extLst>
   </p:cSld>
@@ -1489,8 +1489,8 @@
         </p:nvSpPr>
         <p:spPr>
           <a:xfrm>
-            <a:off x="472385" y="1724970"/>
-            <a:ext cx="5915025" cy="6262365"/>
+            <a:off x="472381" y="766681"/>
+            <a:ext cx="5915025" cy="2783376"/>
           </a:xfrm>
         </p:spPr>
         <p:txBody>
@@ -1517,8 +1517,8 @@
         </p:nvSpPr>
         <p:spPr>
           <a:xfrm>
-            <a:off x="472381" y="7942328"/>
-            <a:ext cx="2901255" cy="3892412"/>
+            <a:off x="472381" y="3530053"/>
+            <a:ext cx="2901255" cy="1730025"/>
           </a:xfrm>
         </p:spPr>
         <p:txBody>
@@ -1528,35 +1528,35 @@
               <a:buNone/>
               <a:defRPr sz="1800" b="1"/>
             </a:lvl1pPr>
-            <a:lvl2pPr marL="342917" indent="0">
+            <a:lvl2pPr marL="342900" indent="0">
               <a:buNone/>
               <a:defRPr sz="1500" b="1"/>
             </a:lvl2pPr>
-            <a:lvl3pPr marL="685835" indent="0">
+            <a:lvl3pPr marL="685800" indent="0">
               <a:buNone/>
               <a:defRPr sz="1350" b="1"/>
             </a:lvl3pPr>
-            <a:lvl4pPr marL="1028751" indent="0">
+            <a:lvl4pPr marL="1028700" indent="0">
               <a:buNone/>
               <a:defRPr sz="1200" b="1"/>
             </a:lvl4pPr>
-            <a:lvl5pPr marL="1371669" indent="0">
+            <a:lvl5pPr marL="1371600" indent="0">
               <a:buNone/>
               <a:defRPr sz="1200" b="1"/>
             </a:lvl5pPr>
-            <a:lvl6pPr marL="1714586" indent="0">
+            <a:lvl6pPr marL="1714500" indent="0">
               <a:buNone/>
               <a:defRPr sz="1200" b="1"/>
             </a:lvl6pPr>
-            <a:lvl7pPr marL="2057504" indent="0">
+            <a:lvl7pPr marL="2057400" indent="0">
               <a:buNone/>
               <a:defRPr sz="1200" b="1"/>
             </a:lvl7pPr>
-            <a:lvl8pPr marL="2400420" indent="0">
+            <a:lvl8pPr marL="2400300" indent="0">
               <a:buNone/>
               <a:defRPr sz="1200" b="1"/>
             </a:lvl8pPr>
-            <a:lvl9pPr marL="2743337" indent="0">
+            <a:lvl9pPr marL="2743200" indent="0">
               <a:buNone/>
               <a:defRPr sz="1200" b="1"/>
             </a:lvl9pPr>
@@ -1582,8 +1582,8 @@
         </p:nvSpPr>
         <p:spPr>
           <a:xfrm>
-            <a:off x="472381" y="11834741"/>
-            <a:ext cx="2901255" cy="17407119"/>
+            <a:off x="472381" y="5260078"/>
+            <a:ext cx="2901255" cy="7736782"/>
           </a:xfrm>
         </p:spPr>
         <p:txBody>
@@ -1671,8 +1671,8 @@
         </p:nvSpPr>
         <p:spPr>
           <a:xfrm>
-            <a:off x="3471867" y="7942328"/>
-            <a:ext cx="2915543" cy="3892412"/>
+            <a:off x="3471863" y="3530053"/>
+            <a:ext cx="2915543" cy="1730025"/>
           </a:xfrm>
         </p:spPr>
         <p:txBody>
@@ -1682,35 +1682,35 @@
               <a:buNone/>
               <a:defRPr sz="1800" b="1"/>
             </a:lvl1pPr>
-            <a:lvl2pPr marL="342917" indent="0">
+            <a:lvl2pPr marL="342900" indent="0">
               <a:buNone/>
               <a:defRPr sz="1500" b="1"/>
             </a:lvl2pPr>
-            <a:lvl3pPr marL="685835" indent="0">
+            <a:lvl3pPr marL="685800" indent="0">
               <a:buNone/>
               <a:defRPr sz="1350" b="1"/>
             </a:lvl3pPr>
-            <a:lvl4pPr marL="1028751" indent="0">
+            <a:lvl4pPr marL="1028700" indent="0">
               <a:buNone/>
               <a:defRPr sz="1200" b="1"/>
             </a:lvl4pPr>
-            <a:lvl5pPr marL="1371669" indent="0">
+            <a:lvl5pPr marL="1371600" indent="0">
               <a:buNone/>
               <a:defRPr sz="1200" b="1"/>
             </a:lvl5pPr>
-            <a:lvl6pPr marL="1714586" indent="0">
+            <a:lvl6pPr marL="1714500" indent="0">
               <a:buNone/>
               <a:defRPr sz="1200" b="1"/>
             </a:lvl6pPr>
-            <a:lvl7pPr marL="2057504" indent="0">
+            <a:lvl7pPr marL="2057400" indent="0">
               <a:buNone/>
               <a:defRPr sz="1200" b="1"/>
             </a:lvl7pPr>
-            <a:lvl8pPr marL="2400420" indent="0">
+            <a:lvl8pPr marL="2400300" indent="0">
               <a:buNone/>
               <a:defRPr sz="1200" b="1"/>
             </a:lvl8pPr>
-            <a:lvl9pPr marL="2743337" indent="0">
+            <a:lvl9pPr marL="2743200" indent="0">
               <a:buNone/>
               <a:defRPr sz="1200" b="1"/>
             </a:lvl9pPr>
@@ -1736,8 +1736,8 @@
         </p:nvSpPr>
         <p:spPr>
           <a:xfrm>
-            <a:off x="3471867" y="11834741"/>
-            <a:ext cx="2915543" cy="17407119"/>
+            <a:off x="3471863" y="5260078"/>
+            <a:ext cx="2915543" cy="7736782"/>
           </a:xfrm>
         </p:spPr>
         <p:txBody>
@@ -1881,7 +1881,7 @@
     </p:spTree>
     <p:extLst>
       <p:ext uri="{BB962C8B-B14F-4D97-AF65-F5344CB8AC3E}">
-        <p14:creationId xmlns:p14="http://schemas.microsoft.com/office/powerpoint/2010/main" val="670253230"/>
+        <p14:creationId xmlns:p14="http://schemas.microsoft.com/office/powerpoint/2010/main" val="26926878"/>
       </p:ext>
     </p:extLst>
   </p:cSld>
@@ -1999,7 +1999,7 @@
     </p:spTree>
     <p:extLst>
       <p:ext uri="{BB962C8B-B14F-4D97-AF65-F5344CB8AC3E}">
-        <p14:creationId xmlns:p14="http://schemas.microsoft.com/office/powerpoint/2010/main" val="3248904187"/>
+        <p14:creationId xmlns:p14="http://schemas.microsoft.com/office/powerpoint/2010/main" val="940436751"/>
       </p:ext>
     </p:extLst>
   </p:cSld>
@@ -2094,7 +2094,7 @@
     </p:spTree>
     <p:extLst>
       <p:ext uri="{BB962C8B-B14F-4D97-AF65-F5344CB8AC3E}">
-        <p14:creationId xmlns:p14="http://schemas.microsoft.com/office/powerpoint/2010/main" val="3344207371"/>
+        <p14:creationId xmlns:p14="http://schemas.microsoft.com/office/powerpoint/2010/main" val="1611926687"/>
       </p:ext>
     </p:extLst>
   </p:cSld>
@@ -2133,8 +2133,8 @@
         </p:nvSpPr>
         <p:spPr>
           <a:xfrm>
-            <a:off x="472381" y="2159954"/>
-            <a:ext cx="2211884" cy="7559834"/>
+            <a:off x="472381" y="960014"/>
+            <a:ext cx="2211884" cy="3360050"/>
           </a:xfrm>
         </p:spPr>
         <p:txBody>
@@ -2165,8 +2165,8 @@
         </p:nvSpPr>
         <p:spPr>
           <a:xfrm>
-            <a:off x="2915547" y="4664907"/>
-            <a:ext cx="3471863" cy="23024493"/>
+            <a:off x="2915543" y="2073367"/>
+            <a:ext cx="3471863" cy="10233485"/>
           </a:xfrm>
         </p:spPr>
         <p:txBody>
@@ -2282,8 +2282,8 @@
         </p:nvSpPr>
         <p:spPr>
           <a:xfrm>
-            <a:off x="472381" y="9719786"/>
-            <a:ext cx="2211884" cy="18007107"/>
+            <a:off x="472381" y="4320064"/>
+            <a:ext cx="2211884" cy="8003453"/>
           </a:xfrm>
         </p:spPr>
         <p:txBody>
@@ -2293,35 +2293,35 @@
               <a:buNone/>
               <a:defRPr sz="1200"/>
             </a:lvl1pPr>
-            <a:lvl2pPr marL="342917" indent="0">
+            <a:lvl2pPr marL="342900" indent="0">
               <a:buNone/>
               <a:defRPr sz="1050"/>
             </a:lvl2pPr>
-            <a:lvl3pPr marL="685835" indent="0">
+            <a:lvl3pPr marL="685800" indent="0">
               <a:buNone/>
               <a:defRPr sz="900"/>
             </a:lvl3pPr>
-            <a:lvl4pPr marL="1028751" indent="0">
+            <a:lvl4pPr marL="1028700" indent="0">
               <a:buNone/>
               <a:defRPr sz="750"/>
             </a:lvl4pPr>
-            <a:lvl5pPr marL="1371669" indent="0">
+            <a:lvl5pPr marL="1371600" indent="0">
               <a:buNone/>
               <a:defRPr sz="750"/>
             </a:lvl5pPr>
-            <a:lvl6pPr marL="1714586" indent="0">
+            <a:lvl6pPr marL="1714500" indent="0">
               <a:buNone/>
               <a:defRPr sz="750"/>
             </a:lvl6pPr>
-            <a:lvl7pPr marL="2057504" indent="0">
+            <a:lvl7pPr marL="2057400" indent="0">
               <a:buNone/>
               <a:defRPr sz="750"/>
             </a:lvl7pPr>
-            <a:lvl8pPr marL="2400420" indent="0">
+            <a:lvl8pPr marL="2400300" indent="0">
               <a:buNone/>
               <a:defRPr sz="750"/>
             </a:lvl8pPr>
-            <a:lvl9pPr marL="2743337" indent="0">
+            <a:lvl9pPr marL="2743200" indent="0">
               <a:buNone/>
               <a:defRPr sz="750"/>
             </a:lvl9pPr>
@@ -2403,7 +2403,7 @@
     </p:spTree>
     <p:extLst>
       <p:ext uri="{BB962C8B-B14F-4D97-AF65-F5344CB8AC3E}">
-        <p14:creationId xmlns:p14="http://schemas.microsoft.com/office/powerpoint/2010/main" val="1242935288"/>
+        <p14:creationId xmlns:p14="http://schemas.microsoft.com/office/powerpoint/2010/main" val="3856510421"/>
       </p:ext>
     </p:extLst>
   </p:cSld>
@@ -2442,8 +2442,8 @@
         </p:nvSpPr>
         <p:spPr>
           <a:xfrm>
-            <a:off x="472381" y="2159954"/>
-            <a:ext cx="2211884" cy="7559834"/>
+            <a:off x="472381" y="960014"/>
+            <a:ext cx="2211884" cy="3360050"/>
           </a:xfrm>
         </p:spPr>
         <p:txBody>
@@ -2474,8 +2474,8 @@
         </p:nvSpPr>
         <p:spPr>
           <a:xfrm>
-            <a:off x="2915547" y="4664907"/>
-            <a:ext cx="3471863" cy="23024493"/>
+            <a:off x="2915543" y="2073367"/>
+            <a:ext cx="3471863" cy="10233485"/>
           </a:xfrm>
         </p:spPr>
         <p:txBody>
@@ -2485,35 +2485,35 @@
               <a:buNone/>
               <a:defRPr sz="2400"/>
             </a:lvl1pPr>
-            <a:lvl2pPr marL="342917" indent="0">
+            <a:lvl2pPr marL="342900" indent="0">
               <a:buNone/>
               <a:defRPr sz="2100"/>
             </a:lvl2pPr>
-            <a:lvl3pPr marL="685835" indent="0">
+            <a:lvl3pPr marL="685800" indent="0">
               <a:buNone/>
               <a:defRPr sz="1800"/>
             </a:lvl3pPr>
-            <a:lvl4pPr marL="1028751" indent="0">
+            <a:lvl4pPr marL="1028700" indent="0">
               <a:buNone/>
               <a:defRPr sz="1500"/>
             </a:lvl4pPr>
-            <a:lvl5pPr marL="1371669" indent="0">
+            <a:lvl5pPr marL="1371600" indent="0">
               <a:buNone/>
               <a:defRPr sz="1500"/>
             </a:lvl5pPr>
-            <a:lvl6pPr marL="1714586" indent="0">
+            <a:lvl6pPr marL="1714500" indent="0">
               <a:buNone/>
               <a:defRPr sz="1500"/>
             </a:lvl6pPr>
-            <a:lvl7pPr marL="2057504" indent="0">
+            <a:lvl7pPr marL="2057400" indent="0">
               <a:buNone/>
               <a:defRPr sz="1500"/>
             </a:lvl7pPr>
-            <a:lvl8pPr marL="2400420" indent="0">
+            <a:lvl8pPr marL="2400300" indent="0">
               <a:buNone/>
               <a:defRPr sz="1500"/>
             </a:lvl8pPr>
-            <a:lvl9pPr marL="2743337" indent="0">
+            <a:lvl9pPr marL="2743200" indent="0">
               <a:buNone/>
               <a:defRPr sz="1500"/>
             </a:lvl9pPr>
@@ -2539,8 +2539,8 @@
         </p:nvSpPr>
         <p:spPr>
           <a:xfrm>
-            <a:off x="472381" y="9719786"/>
-            <a:ext cx="2211884" cy="18007107"/>
+            <a:off x="472381" y="4320064"/>
+            <a:ext cx="2211884" cy="8003453"/>
           </a:xfrm>
         </p:spPr>
         <p:txBody>
@@ -2550,35 +2550,35 @@
               <a:buNone/>
               <a:defRPr sz="1200"/>
             </a:lvl1pPr>
-            <a:lvl2pPr marL="342917" indent="0">
+            <a:lvl2pPr marL="342900" indent="0">
               <a:buNone/>
               <a:defRPr sz="1050"/>
             </a:lvl2pPr>
-            <a:lvl3pPr marL="685835" indent="0">
+            <a:lvl3pPr marL="685800" indent="0">
               <a:buNone/>
               <a:defRPr sz="900"/>
             </a:lvl3pPr>
-            <a:lvl4pPr marL="1028751" indent="0">
+            <a:lvl4pPr marL="1028700" indent="0">
               <a:buNone/>
               <a:defRPr sz="750"/>
             </a:lvl4pPr>
-            <a:lvl5pPr marL="1371669" indent="0">
+            <a:lvl5pPr marL="1371600" indent="0">
               <a:buNone/>
               <a:defRPr sz="750"/>
             </a:lvl5pPr>
-            <a:lvl6pPr marL="1714586" indent="0">
+            <a:lvl6pPr marL="1714500" indent="0">
               <a:buNone/>
               <a:defRPr sz="750"/>
             </a:lvl6pPr>
-            <a:lvl7pPr marL="2057504" indent="0">
+            <a:lvl7pPr marL="2057400" indent="0">
               <a:buNone/>
               <a:defRPr sz="750"/>
             </a:lvl7pPr>
-            <a:lvl8pPr marL="2400420" indent="0">
+            <a:lvl8pPr marL="2400300" indent="0">
               <a:buNone/>
               <a:defRPr sz="750"/>
             </a:lvl8pPr>
-            <a:lvl9pPr marL="2743337" indent="0">
+            <a:lvl9pPr marL="2743200" indent="0">
               <a:buNone/>
               <a:defRPr sz="750"/>
             </a:lvl9pPr>
@@ -2660,7 +2660,7 @@
     </p:spTree>
     <p:extLst>
       <p:ext uri="{BB962C8B-B14F-4D97-AF65-F5344CB8AC3E}">
-        <p14:creationId xmlns:p14="http://schemas.microsoft.com/office/powerpoint/2010/main" val="633073513"/>
+        <p14:creationId xmlns:p14="http://schemas.microsoft.com/office/powerpoint/2010/main" val="2082710261"/>
       </p:ext>
     </p:extLst>
   </p:cSld>
@@ -2704,8 +2704,8 @@
         </p:nvSpPr>
         <p:spPr>
           <a:xfrm>
-            <a:off x="471491" y="1724970"/>
-            <a:ext cx="5915025" cy="6262365"/>
+            <a:off x="471488" y="766681"/>
+            <a:ext cx="5915025" cy="2783376"/>
           </a:xfrm>
           <a:prstGeom prst="rect">
             <a:avLst/>
@@ -2737,8 +2737,8 @@
         </p:nvSpPr>
         <p:spPr>
           <a:xfrm>
-            <a:off x="471491" y="8624811"/>
-            <a:ext cx="5915025" cy="20557050"/>
+            <a:off x="471488" y="3833390"/>
+            <a:ext cx="5915025" cy="9136803"/>
           </a:xfrm>
           <a:prstGeom prst="rect">
             <a:avLst/>
@@ -2831,8 +2831,8 @@
         </p:nvSpPr>
         <p:spPr>
           <a:xfrm>
-            <a:off x="471488" y="30029348"/>
-            <a:ext cx="1543050" cy="1724963"/>
+            <a:off x="471488" y="13346867"/>
+            <a:ext cx="1543050" cy="766678"/>
           </a:xfrm>
           <a:prstGeom prst="rect">
             <a:avLst/>
@@ -2872,8 +2872,8 @@
         </p:nvSpPr>
         <p:spPr>
           <a:xfrm>
-            <a:off x="2271716" y="30029348"/>
-            <a:ext cx="2314575" cy="1724963"/>
+            <a:off x="2271713" y="13346867"/>
+            <a:ext cx="2314575" cy="766678"/>
           </a:xfrm>
           <a:prstGeom prst="rect">
             <a:avLst/>
@@ -2909,8 +2909,8 @@
         </p:nvSpPr>
         <p:spPr>
           <a:xfrm>
-            <a:off x="4843463" y="30029348"/>
-            <a:ext cx="1543050" cy="1724963"/>
+            <a:off x="4843463" y="13346867"/>
+            <a:ext cx="1543050" cy="766678"/>
           </a:xfrm>
           <a:prstGeom prst="rect">
             <a:avLst/>
@@ -2941,27 +2941,27 @@
     </p:spTree>
     <p:extLst>
       <p:ext uri="{BB962C8B-B14F-4D97-AF65-F5344CB8AC3E}">
-        <p14:creationId xmlns:p14="http://schemas.microsoft.com/office/powerpoint/2010/main" val="2925934285"/>
+        <p14:creationId xmlns:p14="http://schemas.microsoft.com/office/powerpoint/2010/main" val="3449679400"/>
       </p:ext>
     </p:extLst>
   </p:cSld>
   <p:clrMap bg1="dk1" tx1="lt1" bg2="dk2" tx2="lt2" accent1="accent1" accent2="accent2" accent3="accent3" accent4="accent4" accent5="accent5" accent6="accent6" hlink="hlink" folHlink="folHlink"/>
   <p:sldLayoutIdLst>
-    <p:sldLayoutId id="2147483673" r:id="rId1"/>
-    <p:sldLayoutId id="2147483674" r:id="rId2"/>
-    <p:sldLayoutId id="2147483675" r:id="rId3"/>
-    <p:sldLayoutId id="2147483676" r:id="rId4"/>
-    <p:sldLayoutId id="2147483677" r:id="rId5"/>
-    <p:sldLayoutId id="2147483678" r:id="rId6"/>
-    <p:sldLayoutId id="2147483679" r:id="rId7"/>
-    <p:sldLayoutId id="2147483680" r:id="rId8"/>
-    <p:sldLayoutId id="2147483681" r:id="rId9"/>
-    <p:sldLayoutId id="2147483682" r:id="rId10"/>
-    <p:sldLayoutId id="2147483683" r:id="rId11"/>
+    <p:sldLayoutId id="2147483685" r:id="rId1"/>
+    <p:sldLayoutId id="2147483686" r:id="rId2"/>
+    <p:sldLayoutId id="2147483687" r:id="rId3"/>
+    <p:sldLayoutId id="2147483688" r:id="rId4"/>
+    <p:sldLayoutId id="2147483689" r:id="rId5"/>
+    <p:sldLayoutId id="2147483690" r:id="rId6"/>
+    <p:sldLayoutId id="2147483691" r:id="rId7"/>
+    <p:sldLayoutId id="2147483692" r:id="rId8"/>
+    <p:sldLayoutId id="2147483693" r:id="rId9"/>
+    <p:sldLayoutId id="2147483694" r:id="rId10"/>
+    <p:sldLayoutId id="2147483695" r:id="rId11"/>
   </p:sldLayoutIdLst>
   <p:txStyles>
     <p:titleStyle>
-      <a:lvl1pPr algn="l" defTabSz="685835" rtl="0" eaLnBrk="1" latinLnBrk="0" hangingPunct="1">
+      <a:lvl1pPr algn="l" defTabSz="685800" rtl="0" eaLnBrk="1" latinLnBrk="0" hangingPunct="1">
         <a:lnSpc>
           <a:spcPct val="90000"/>
         </a:lnSpc>
@@ -2980,7 +2980,7 @@
       </a:lvl1pPr>
     </p:titleStyle>
     <p:bodyStyle>
-      <a:lvl1pPr marL="171459" indent="-171459" algn="l" defTabSz="685835" rtl="0" eaLnBrk="1" latinLnBrk="0" hangingPunct="1">
+      <a:lvl1pPr marL="171450" indent="-171450" algn="l" defTabSz="685800" rtl="0" eaLnBrk="1" latinLnBrk="0" hangingPunct="1">
         <a:lnSpc>
           <a:spcPct val="90000"/>
         </a:lnSpc>
@@ -2998,7 +2998,7 @@
           <a:cs typeface="+mn-cs"/>
         </a:defRPr>
       </a:lvl1pPr>
-      <a:lvl2pPr marL="514376" indent="-171459" algn="l" defTabSz="685835" rtl="0" eaLnBrk="1" latinLnBrk="0" hangingPunct="1">
+      <a:lvl2pPr marL="514350" indent="-171450" algn="l" defTabSz="685800" rtl="0" eaLnBrk="1" latinLnBrk="0" hangingPunct="1">
         <a:lnSpc>
           <a:spcPct val="90000"/>
         </a:lnSpc>
@@ -3016,7 +3016,7 @@
           <a:cs typeface="+mn-cs"/>
         </a:defRPr>
       </a:lvl2pPr>
-      <a:lvl3pPr marL="857294" indent="-171459" algn="l" defTabSz="685835" rtl="0" eaLnBrk="1" latinLnBrk="0" hangingPunct="1">
+      <a:lvl3pPr marL="857250" indent="-171450" algn="l" defTabSz="685800" rtl="0" eaLnBrk="1" latinLnBrk="0" hangingPunct="1">
         <a:lnSpc>
           <a:spcPct val="90000"/>
         </a:lnSpc>
@@ -3034,7 +3034,7 @@
           <a:cs typeface="+mn-cs"/>
         </a:defRPr>
       </a:lvl3pPr>
-      <a:lvl4pPr marL="1200210" indent="-171459" algn="l" defTabSz="685835" rtl="0" eaLnBrk="1" latinLnBrk="0" hangingPunct="1">
+      <a:lvl4pPr marL="1200150" indent="-171450" algn="l" defTabSz="685800" rtl="0" eaLnBrk="1" latinLnBrk="0" hangingPunct="1">
         <a:lnSpc>
           <a:spcPct val="90000"/>
         </a:lnSpc>
@@ -3052,7 +3052,7 @@
           <a:cs typeface="+mn-cs"/>
         </a:defRPr>
       </a:lvl4pPr>
-      <a:lvl5pPr marL="1543127" indent="-171459" algn="l" defTabSz="685835" rtl="0" eaLnBrk="1" latinLnBrk="0" hangingPunct="1">
+      <a:lvl5pPr marL="1543050" indent="-171450" algn="l" defTabSz="685800" rtl="0" eaLnBrk="1" latinLnBrk="0" hangingPunct="1">
         <a:lnSpc>
           <a:spcPct val="90000"/>
         </a:lnSpc>
@@ -3070,7 +3070,7 @@
           <a:cs typeface="+mn-cs"/>
         </a:defRPr>
       </a:lvl5pPr>
-      <a:lvl6pPr marL="1886045" indent="-171459" algn="l" defTabSz="685835" rtl="0" eaLnBrk="1" latinLnBrk="0" hangingPunct="1">
+      <a:lvl6pPr marL="1885950" indent="-171450" algn="l" defTabSz="685800" rtl="0" eaLnBrk="1" latinLnBrk="0" hangingPunct="1">
         <a:lnSpc>
           <a:spcPct val="90000"/>
         </a:lnSpc>
@@ -3088,7 +3088,7 @@
           <a:cs typeface="+mn-cs"/>
         </a:defRPr>
       </a:lvl6pPr>
-      <a:lvl7pPr marL="2228961" indent="-171459" algn="l" defTabSz="685835" rtl="0" eaLnBrk="1" latinLnBrk="0" hangingPunct="1">
+      <a:lvl7pPr marL="2228850" indent="-171450" algn="l" defTabSz="685800" rtl="0" eaLnBrk="1" latinLnBrk="0" hangingPunct="1">
         <a:lnSpc>
           <a:spcPct val="90000"/>
         </a:lnSpc>
@@ -3106,7 +3106,7 @@
           <a:cs typeface="+mn-cs"/>
         </a:defRPr>
       </a:lvl7pPr>
-      <a:lvl8pPr marL="2571879" indent="-171459" algn="l" defTabSz="685835" rtl="0" eaLnBrk="1" latinLnBrk="0" hangingPunct="1">
+      <a:lvl8pPr marL="2571750" indent="-171450" algn="l" defTabSz="685800" rtl="0" eaLnBrk="1" latinLnBrk="0" hangingPunct="1">
         <a:lnSpc>
           <a:spcPct val="90000"/>
         </a:lnSpc>
@@ -3124,7 +3124,7 @@
           <a:cs typeface="+mn-cs"/>
         </a:defRPr>
       </a:lvl8pPr>
-      <a:lvl9pPr marL="2914796" indent="-171459" algn="l" defTabSz="685835" rtl="0" eaLnBrk="1" latinLnBrk="0" hangingPunct="1">
+      <a:lvl9pPr marL="2914650" indent="-171450" algn="l" defTabSz="685800" rtl="0" eaLnBrk="1" latinLnBrk="0" hangingPunct="1">
         <a:lnSpc>
           <a:spcPct val="90000"/>
         </a:lnSpc>
@@ -3147,7 +3147,7 @@
       <a:defPPr>
         <a:defRPr lang="en-US"/>
       </a:defPPr>
-      <a:lvl1pPr marL="0" algn="l" defTabSz="685835" rtl="0" eaLnBrk="1" latinLnBrk="0" hangingPunct="1">
+      <a:lvl1pPr marL="0" algn="l" defTabSz="685800" rtl="0" eaLnBrk="1" latinLnBrk="0" hangingPunct="1">
         <a:defRPr kumimoji="1" sz="1350" kern="1200">
           <a:solidFill>
             <a:schemeClr val="tx1"/>
@@ -3157,7 +3157,7 @@
           <a:cs typeface="+mn-cs"/>
         </a:defRPr>
       </a:lvl1pPr>
-      <a:lvl2pPr marL="342917" algn="l" defTabSz="685835" rtl="0" eaLnBrk="1" latinLnBrk="0" hangingPunct="1">
+      <a:lvl2pPr marL="342900" algn="l" defTabSz="685800" rtl="0" eaLnBrk="1" latinLnBrk="0" hangingPunct="1">
         <a:defRPr kumimoji="1" sz="1350" kern="1200">
           <a:solidFill>
             <a:schemeClr val="tx1"/>
@@ -3167,7 +3167,7 @@
           <a:cs typeface="+mn-cs"/>
         </a:defRPr>
       </a:lvl2pPr>
-      <a:lvl3pPr marL="685835" algn="l" defTabSz="685835" rtl="0" eaLnBrk="1" latinLnBrk="0" hangingPunct="1">
+      <a:lvl3pPr marL="685800" algn="l" defTabSz="685800" rtl="0" eaLnBrk="1" latinLnBrk="0" hangingPunct="1">
         <a:defRPr kumimoji="1" sz="1350" kern="1200">
           <a:solidFill>
             <a:schemeClr val="tx1"/>
@@ -3177,7 +3177,7 @@
           <a:cs typeface="+mn-cs"/>
         </a:defRPr>
       </a:lvl3pPr>
-      <a:lvl4pPr marL="1028751" algn="l" defTabSz="685835" rtl="0" eaLnBrk="1" latinLnBrk="0" hangingPunct="1">
+      <a:lvl4pPr marL="1028700" algn="l" defTabSz="685800" rtl="0" eaLnBrk="1" latinLnBrk="0" hangingPunct="1">
         <a:defRPr kumimoji="1" sz="1350" kern="1200">
           <a:solidFill>
             <a:schemeClr val="tx1"/>
@@ -3187,7 +3187,7 @@
           <a:cs typeface="+mn-cs"/>
         </a:defRPr>
       </a:lvl4pPr>
-      <a:lvl5pPr marL="1371669" algn="l" defTabSz="685835" rtl="0" eaLnBrk="1" latinLnBrk="0" hangingPunct="1">
+      <a:lvl5pPr marL="1371600" algn="l" defTabSz="685800" rtl="0" eaLnBrk="1" latinLnBrk="0" hangingPunct="1">
         <a:defRPr kumimoji="1" sz="1350" kern="1200">
           <a:solidFill>
             <a:schemeClr val="tx1"/>
@@ -3197,7 +3197,7 @@
           <a:cs typeface="+mn-cs"/>
         </a:defRPr>
       </a:lvl5pPr>
-      <a:lvl6pPr marL="1714586" algn="l" defTabSz="685835" rtl="0" eaLnBrk="1" latinLnBrk="0" hangingPunct="1">
+      <a:lvl6pPr marL="1714500" algn="l" defTabSz="685800" rtl="0" eaLnBrk="1" latinLnBrk="0" hangingPunct="1">
         <a:defRPr kumimoji="1" sz="1350" kern="1200">
           <a:solidFill>
             <a:schemeClr val="tx1"/>
@@ -3207,7 +3207,7 @@
           <a:cs typeface="+mn-cs"/>
         </a:defRPr>
       </a:lvl6pPr>
-      <a:lvl7pPr marL="2057504" algn="l" defTabSz="685835" rtl="0" eaLnBrk="1" latinLnBrk="0" hangingPunct="1">
+      <a:lvl7pPr marL="2057400" algn="l" defTabSz="685800" rtl="0" eaLnBrk="1" latinLnBrk="0" hangingPunct="1">
         <a:defRPr kumimoji="1" sz="1350" kern="1200">
           <a:solidFill>
             <a:schemeClr val="tx1"/>
@@ -3217,7 +3217,7 @@
           <a:cs typeface="+mn-cs"/>
         </a:defRPr>
       </a:lvl7pPr>
-      <a:lvl8pPr marL="2400420" algn="l" defTabSz="685835" rtl="0" eaLnBrk="1" latinLnBrk="0" hangingPunct="1">
+      <a:lvl8pPr marL="2400300" algn="l" defTabSz="685800" rtl="0" eaLnBrk="1" latinLnBrk="0" hangingPunct="1">
         <a:defRPr kumimoji="1" sz="1350" kern="1200">
           <a:solidFill>
             <a:schemeClr val="tx1"/>
@@ -3227,7 +3227,7 @@
           <a:cs typeface="+mn-cs"/>
         </a:defRPr>
       </a:lvl8pPr>
-      <a:lvl9pPr marL="2743337" algn="l" defTabSz="685835" rtl="0" eaLnBrk="1" latinLnBrk="0" hangingPunct="1">
+      <a:lvl9pPr marL="2743200" algn="l" defTabSz="685800" rtl="0" eaLnBrk="1" latinLnBrk="0" hangingPunct="1">
         <a:defRPr kumimoji="1" sz="1350" kern="1200">
           <a:solidFill>
             <a:schemeClr val="tx1"/>
@@ -3273,8 +3273,8 @@
         </p:nvSpPr>
         <p:spPr>
           <a:xfrm>
-            <a:off x="1" y="3181"/>
-            <a:ext cx="6850538" cy="540000"/>
+            <a:off x="0" y="0"/>
+            <a:ext cx="6850537" cy="540000"/>
           </a:xfrm>
           <a:prstGeom prst="rect">
             <a:avLst/>
@@ -3327,8 +3327,8 @@
         </p:nvSpPr>
         <p:spPr>
           <a:xfrm>
-            <a:off x="2063" y="3181"/>
-            <a:ext cx="1390650" cy="540000"/>
+            <a:off x="2061" y="0"/>
+            <a:ext cx="1390649" cy="540000"/>
           </a:xfrm>
           <a:prstGeom prst="rect">
             <a:avLst/>
@@ -3372,10 +3372,10 @@
       </p:sp>
       <p:sp>
         <p:nvSpPr>
-          <p:cNvPr id="4" name="正方形/長方形 3">
+          <p:cNvPr id="12" name="正方形/長方形 11">
             <a:extLst>
               <a:ext uri="{FF2B5EF4-FFF2-40B4-BE49-F238E27FC236}">
-                <a16:creationId xmlns:a16="http://schemas.microsoft.com/office/drawing/2014/main" id="{8B05622C-91DD-4A3D-B9AC-FCD69042A191}"/>
+                <a16:creationId xmlns:a16="http://schemas.microsoft.com/office/drawing/2014/main" id="{ADD4B3F9-B0C3-4976-9DF1-D23EE24665E7}"/>
               </a:ext>
             </a:extLst>
           </p:cNvPr>
@@ -3384,15 +3384,16 @@
         </p:nvSpPr>
         <p:spPr>
           <a:xfrm>
-            <a:off x="7326788" y="3183"/>
-            <a:ext cx="5915025" cy="5305425"/>
+            <a:off x="3719562" y="0"/>
+            <a:ext cx="809999" cy="540000"/>
           </a:xfrm>
           <a:prstGeom prst="rect">
             <a:avLst/>
           </a:prstGeom>
-          <a:solidFill>
-            <a:schemeClr val="bg1"/>
-          </a:solidFill>
+          <a:noFill/>
+          <a:ln>
+            <a:noFill/>
+          </a:ln>
         </p:spPr>
         <p:style>
           <a:lnRef idx="2">
@@ -3414,91 +3415,35 @@
           <a:bodyPr rtlCol="0" anchor="ctr"/>
           <a:lstStyle/>
           <a:p>
-            <a:r>
-              <a:rPr lang="ja-JP" altLang="en-US" dirty="0">
+            <a:pPr algn="ctr"/>
+            <a:r>
+              <a:rPr lang="en-US" altLang="ja-JP" sz="801" dirty="0">
                 <a:solidFill>
                   <a:schemeClr val="tx1"/>
                 </a:solidFill>
               </a:rPr>
-              <a:t>メモ</a:t>
-            </a:r>
-            <a:endParaRPr lang="en-US" altLang="ja-JP" dirty="0">
-              <a:solidFill>
-                <a:schemeClr val="tx1"/>
-              </a:solidFill>
-            </a:endParaRPr>
-          </a:p>
-          <a:p>
-            <a:r>
-              <a:rPr lang="en-US" altLang="ja-JP" dirty="0">
+              <a:t>HOME</a:t>
+            </a:r>
+          </a:p>
+          <a:p>
+            <a:pPr algn="ctr"/>
+            <a:r>
+              <a:rPr lang="ja-JP" altLang="en-US" sz="801" dirty="0">
                 <a:solidFill>
                   <a:schemeClr val="tx1"/>
                 </a:solidFill>
               </a:rPr>
-              <a:t>GN</a:t>
-            </a:r>
-          </a:p>
-          <a:p>
-            <a:r>
-              <a:rPr lang="en-US" altLang="ja-JP" dirty="0">
-                <a:solidFill>
-                  <a:schemeClr val="tx1"/>
-                </a:solidFill>
-              </a:rPr>
-              <a:t>TOP</a:t>
-            </a:r>
-            <a:r>
-              <a:rPr lang="ja-JP" altLang="en-US" dirty="0">
-                <a:solidFill>
-                  <a:schemeClr val="tx1"/>
-                </a:solidFill>
-              </a:rPr>
-              <a:t>ページ</a:t>
-            </a:r>
-            <a:endParaRPr lang="en-US" altLang="ja-JP" dirty="0">
-              <a:solidFill>
-                <a:schemeClr val="tx1"/>
-              </a:solidFill>
-            </a:endParaRPr>
-          </a:p>
-          <a:p>
-            <a:r>
-              <a:rPr lang="ja-JP" altLang="en-US" dirty="0">
-                <a:solidFill>
-                  <a:schemeClr val="tx1"/>
-                </a:solidFill>
-              </a:rPr>
-              <a:t>セラピスト</a:t>
-            </a:r>
-            <a:endParaRPr lang="en-US" altLang="ja-JP" dirty="0">
-              <a:solidFill>
-                <a:schemeClr val="tx1"/>
-              </a:solidFill>
-            </a:endParaRPr>
-          </a:p>
-          <a:p>
-            <a:r>
-              <a:rPr lang="ja-JP" altLang="en-US">
-                <a:solidFill>
-                  <a:schemeClr val="tx1"/>
-                </a:solidFill>
-              </a:rPr>
-              <a:t>メニュー</a:t>
-            </a:r>
-            <a:endParaRPr lang="ja-JP" altLang="en-US" dirty="0">
-              <a:solidFill>
-                <a:schemeClr val="tx1"/>
-              </a:solidFill>
-            </a:endParaRPr>
-          </a:p>
-        </p:txBody>
-      </p:sp>
-      <p:sp>
-        <p:nvSpPr>
-          <p:cNvPr id="5" name="正方形/長方形 4">
+              <a:t>ホーム</a:t>
+            </a:r>
+          </a:p>
+        </p:txBody>
+      </p:sp>
+      <p:sp>
+        <p:nvSpPr>
+          <p:cNvPr id="13" name="正方形/長方形 12">
             <a:extLst>
               <a:ext uri="{FF2B5EF4-FFF2-40B4-BE49-F238E27FC236}">
-                <a16:creationId xmlns:a16="http://schemas.microsoft.com/office/drawing/2014/main" id="{000ABE75-6122-4DF9-B73F-FEC0A4996547}"/>
+                <a16:creationId xmlns:a16="http://schemas.microsoft.com/office/drawing/2014/main" id="{52E89D7D-3B96-4B05-B48B-9D1D78C7007E}"/>
               </a:ext>
             </a:extLst>
           </p:cNvPr>
@@ -3507,15 +3452,16 @@
         </p:nvSpPr>
         <p:spPr>
           <a:xfrm>
-            <a:off x="7326788" y="5537206"/>
-            <a:ext cx="5915025" cy="7219950"/>
+            <a:off x="4533928" y="0"/>
+            <a:ext cx="809999" cy="540000"/>
           </a:xfrm>
           <a:prstGeom prst="rect">
             <a:avLst/>
           </a:prstGeom>
-          <a:solidFill>
-            <a:schemeClr val="bg1"/>
-          </a:solidFill>
+          <a:noFill/>
+          <a:ln>
+            <a:noFill/>
+          </a:ln>
         </p:spPr>
         <p:style>
           <a:lnRef idx="2">
@@ -3537,52 +3483,20 @@
           <a:bodyPr rtlCol="0" anchor="ctr"/>
           <a:lstStyle/>
           <a:p>
-            <a:r>
-              <a:rPr lang="en-US" altLang="ja-JP" sz="1200" dirty="0">
-                <a:solidFill>
-                  <a:schemeClr val="tx1"/>
-                </a:solidFill>
-              </a:rPr>
-              <a:t>TOP</a:t>
-            </a:r>
-            <a:r>
-              <a:rPr lang="ja-JP" altLang="en-US" sz="1200" dirty="0">
-                <a:solidFill>
-                  <a:schemeClr val="tx1"/>
-                </a:solidFill>
-              </a:rPr>
-              <a:t>トップ</a:t>
-            </a:r>
-          </a:p>
-          <a:p>
-            <a:r>
-              <a:rPr lang="en-US" altLang="ja-JP" sz="1200" dirty="0">
-                <a:solidFill>
-                  <a:schemeClr val="tx1"/>
-                </a:solidFill>
-              </a:rPr>
-              <a:t>SYSTEM</a:t>
-            </a:r>
-            <a:r>
-              <a:rPr lang="ja-JP" altLang="en-US" sz="1200" dirty="0">
-                <a:solidFill>
-                  <a:schemeClr val="tx1"/>
-                </a:solidFill>
-              </a:rPr>
-              <a:t>料金システム</a:t>
-            </a:r>
-          </a:p>
-          <a:p>
-            <a:r>
-              <a:rPr lang="en-US" altLang="ja-JP" sz="1200" dirty="0">
+            <a:pPr algn="ctr"/>
+            <a:r>
+              <a:rPr lang="en-US" altLang="ja-JP" sz="801" dirty="0">
                 <a:solidFill>
                   <a:schemeClr val="tx1"/>
                 </a:solidFill>
               </a:rPr>
               <a:t>THERAPIST</a:t>
             </a:r>
-            <a:r>
-              <a:rPr lang="ja-JP" altLang="en-US" sz="1200" dirty="0">
+          </a:p>
+          <a:p>
+            <a:pPr algn="ctr"/>
+            <a:r>
+              <a:rPr lang="ja-JP" altLang="en-US" sz="801" dirty="0">
                 <a:solidFill>
                   <a:schemeClr val="tx1"/>
                 </a:solidFill>
@@ -3590,105 +3504,67 @@
               <a:t>セラピスト</a:t>
             </a:r>
           </a:p>
-          <a:p>
-            <a:r>
-              <a:rPr lang="en-US" altLang="ja-JP" sz="1200" dirty="0">
+        </p:txBody>
+      </p:sp>
+      <p:sp>
+        <p:nvSpPr>
+          <p:cNvPr id="14" name="正方形/長方形 13">
+            <a:extLst>
+              <a:ext uri="{FF2B5EF4-FFF2-40B4-BE49-F238E27FC236}">
+                <a16:creationId xmlns:a16="http://schemas.microsoft.com/office/drawing/2014/main" id="{A3F7FFA3-9315-414A-822C-425FA752852D}"/>
+              </a:ext>
+            </a:extLst>
+          </p:cNvPr>
+          <p:cNvSpPr/>
+          <p:nvPr/>
+        </p:nvSpPr>
+        <p:spPr>
+          <a:xfrm>
+            <a:off x="5340200" y="-4"/>
+            <a:ext cx="809999" cy="540000"/>
+          </a:xfrm>
+          <a:prstGeom prst="rect">
+            <a:avLst/>
+          </a:prstGeom>
+          <a:noFill/>
+          <a:ln>
+            <a:noFill/>
+          </a:ln>
+        </p:spPr>
+        <p:style>
+          <a:lnRef idx="2">
+            <a:schemeClr val="accent1">
+              <a:shade val="50000"/>
+            </a:schemeClr>
+          </a:lnRef>
+          <a:fillRef idx="1">
+            <a:schemeClr val="accent1"/>
+          </a:fillRef>
+          <a:effectRef idx="0">
+            <a:schemeClr val="accent1"/>
+          </a:effectRef>
+          <a:fontRef idx="minor">
+            <a:schemeClr val="lt1"/>
+          </a:fontRef>
+        </p:style>
+        <p:txBody>
+          <a:bodyPr rtlCol="0" anchor="ctr"/>
+          <a:lstStyle/>
+          <a:p>
+            <a:pPr algn="ctr"/>
+            <a:r>
+              <a:rPr lang="en-US" altLang="ja-JP" sz="801" dirty="0">
                 <a:solidFill>
                   <a:schemeClr val="tx1"/>
                 </a:solidFill>
               </a:rPr>
-              <a:t>ACCESS</a:t>
-            </a:r>
-            <a:r>
-              <a:rPr lang="ja-JP" altLang="en-US" sz="1200" dirty="0">
-                <a:solidFill>
-                  <a:schemeClr val="tx1"/>
-                </a:solidFill>
-              </a:rPr>
-              <a:t>アクセス</a:t>
-            </a:r>
-          </a:p>
-          <a:p>
-            <a:r>
-              <a:rPr lang="en-US" altLang="ja-JP" sz="1200" dirty="0">
-                <a:solidFill>
-                  <a:schemeClr val="tx1"/>
-                </a:solidFill>
-              </a:rPr>
-              <a:t>RECRUIT</a:t>
-            </a:r>
-            <a:r>
-              <a:rPr lang="ja-JP" altLang="en-US" sz="1200" dirty="0">
-                <a:solidFill>
-                  <a:schemeClr val="tx1"/>
-                </a:solidFill>
-              </a:rPr>
-              <a:t>リクルート</a:t>
-            </a:r>
-          </a:p>
-          <a:p>
-            <a:r>
-              <a:rPr lang="en-US" altLang="ja-JP" sz="1200" dirty="0">
-                <a:solidFill>
-                  <a:schemeClr val="tx1"/>
-                </a:solidFill>
-              </a:rPr>
-              <a:t>RESERVEWEB</a:t>
-            </a:r>
-            <a:r>
-              <a:rPr lang="ja-JP" altLang="en-US" sz="1200" dirty="0">
-                <a:solidFill>
-                  <a:schemeClr val="tx1"/>
-                </a:solidFill>
-              </a:rPr>
-              <a:t>予約</a:t>
-            </a:r>
-            <a:endParaRPr lang="en-US" altLang="ja-JP" sz="1200" dirty="0">
-              <a:solidFill>
-                <a:schemeClr val="tx1"/>
-              </a:solidFill>
-            </a:endParaRPr>
-          </a:p>
-          <a:p>
-            <a:endParaRPr lang="en-US" altLang="ja-JP" sz="1200" dirty="0">
-              <a:solidFill>
-                <a:schemeClr val="tx1"/>
-              </a:solidFill>
-            </a:endParaRPr>
-          </a:p>
-          <a:p>
-            <a:r>
-              <a:rPr lang="en-US" altLang="ja-JP" sz="1200" dirty="0">
-                <a:solidFill>
-                  <a:schemeClr val="tx1"/>
-                </a:solidFill>
-              </a:rPr>
-              <a:t>Top</a:t>
-            </a:r>
-          </a:p>
-          <a:p>
-            <a:r>
-              <a:rPr lang="ja-JP" altLang="en-US" sz="1200" dirty="0">
-                <a:solidFill>
-                  <a:schemeClr val="tx1"/>
-                </a:solidFill>
-              </a:rPr>
-              <a:t>お知らせ</a:t>
-            </a:r>
-          </a:p>
-          <a:p>
-            <a:r>
-              <a:rPr lang="ja-JP" altLang="en-US" sz="1200" dirty="0">
-                <a:solidFill>
-                  <a:schemeClr val="tx1"/>
-                </a:solidFill>
-              </a:rPr>
-              <a:t>スタッフ</a:t>
-            </a:r>
-          </a:p>
-          <a:p>
-            <a:r>
-              <a:rPr lang="ja-JP" altLang="en-US" sz="1200" dirty="0">
+              <a:t>MENU</a:t>
+            </a:r>
+          </a:p>
+          <a:p>
+            <a:pPr algn="ctr"/>
+            <a:r>
+              <a:rPr lang="ja-JP" altLang="en-US" sz="801" dirty="0">
                 <a:solidFill>
                   <a:schemeClr val="tx1"/>
                 </a:solidFill>
@@ -3696,225 +3572,14 @@
               <a:t>メニュー</a:t>
             </a:r>
           </a:p>
-          <a:p>
-            <a:r>
-              <a:rPr lang="ja-JP" altLang="en-US" sz="1200" dirty="0">
-                <a:solidFill>
-                  <a:schemeClr val="tx1"/>
-                </a:solidFill>
-              </a:rPr>
-              <a:t>アクセス</a:t>
-            </a:r>
-            <a:endParaRPr lang="en-US" altLang="ja-JP" sz="1200" dirty="0">
-              <a:solidFill>
-                <a:schemeClr val="tx1"/>
-              </a:solidFill>
-            </a:endParaRPr>
-          </a:p>
-          <a:p>
-            <a:endParaRPr lang="en-US" altLang="ja-JP" sz="1200" dirty="0">
-              <a:solidFill>
-                <a:schemeClr val="tx1"/>
-              </a:solidFill>
-            </a:endParaRPr>
-          </a:p>
-          <a:p>
-            <a:r>
-              <a:rPr lang="en-US" altLang="ja-JP" sz="1200" dirty="0">
-                <a:solidFill>
-                  <a:schemeClr val="tx1"/>
-                </a:solidFill>
-              </a:rPr>
-              <a:t>TOP</a:t>
-            </a:r>
-          </a:p>
-          <a:p>
-            <a:r>
-              <a:rPr lang="en-US" altLang="ja-JP" sz="1200" dirty="0">
-                <a:solidFill>
-                  <a:schemeClr val="tx1"/>
-                </a:solidFill>
-              </a:rPr>
-              <a:t>SYSTEM</a:t>
-            </a:r>
-          </a:p>
-          <a:p>
-            <a:r>
-              <a:rPr lang="en-US" altLang="ja-JP" sz="1200" dirty="0">
-                <a:solidFill>
-                  <a:schemeClr val="tx1"/>
-                </a:solidFill>
-              </a:rPr>
-              <a:t>STAFF</a:t>
-            </a:r>
-          </a:p>
-          <a:p>
-            <a:r>
-              <a:rPr lang="en-US" altLang="ja-JP" sz="1200" dirty="0">
-                <a:solidFill>
-                  <a:schemeClr val="tx1"/>
-                </a:solidFill>
-              </a:rPr>
-              <a:t>ROOM</a:t>
-            </a:r>
-          </a:p>
-          <a:p>
-            <a:r>
-              <a:rPr lang="en-US" altLang="ja-JP" sz="1200" dirty="0">
-                <a:solidFill>
-                  <a:schemeClr val="tx1"/>
-                </a:solidFill>
-              </a:rPr>
-              <a:t>ACCESS</a:t>
-            </a:r>
-          </a:p>
-          <a:p>
-            <a:r>
-              <a:rPr lang="en-US" altLang="ja-JP" sz="1200" dirty="0">
-                <a:solidFill>
-                  <a:schemeClr val="tx1"/>
-                </a:solidFill>
-              </a:rPr>
-              <a:t>RECRUIT</a:t>
-            </a:r>
-          </a:p>
-          <a:p>
-            <a:endParaRPr lang="en-US" altLang="ja-JP" sz="1200" dirty="0">
-              <a:solidFill>
-                <a:schemeClr val="tx1"/>
-              </a:solidFill>
-            </a:endParaRPr>
-          </a:p>
-          <a:p>
-            <a:r>
-              <a:rPr lang="en-US" altLang="ja-JP" sz="1200" dirty="0">
-                <a:solidFill>
-                  <a:schemeClr val="tx1"/>
-                </a:solidFill>
-              </a:rPr>
-              <a:t>Top</a:t>
-            </a:r>
-          </a:p>
-          <a:p>
-            <a:r>
-              <a:rPr lang="ja-JP" altLang="en-US" sz="1200" dirty="0">
-                <a:solidFill>
-                  <a:schemeClr val="tx1"/>
-                </a:solidFill>
-              </a:rPr>
-              <a:t>お知らせ</a:t>
-            </a:r>
-          </a:p>
-          <a:p>
-            <a:r>
-              <a:rPr lang="ja-JP" altLang="en-US" sz="1200" dirty="0">
-                <a:solidFill>
-                  <a:schemeClr val="tx1"/>
-                </a:solidFill>
-              </a:rPr>
-              <a:t>スタッフ</a:t>
-            </a:r>
-          </a:p>
-          <a:p>
-            <a:r>
-              <a:rPr lang="ja-JP" altLang="en-US" sz="1200" dirty="0">
-                <a:solidFill>
-                  <a:schemeClr val="tx1"/>
-                </a:solidFill>
-              </a:rPr>
-              <a:t>メニュー</a:t>
-            </a:r>
-          </a:p>
-          <a:p>
-            <a:r>
-              <a:rPr lang="ja-JP" altLang="en-US" sz="1200" dirty="0">
-                <a:solidFill>
-                  <a:schemeClr val="tx1"/>
-                </a:solidFill>
-              </a:rPr>
-              <a:t>アクセス</a:t>
-            </a:r>
-            <a:endParaRPr lang="en-US" altLang="ja-JP" sz="1200" dirty="0">
-              <a:solidFill>
-                <a:schemeClr val="tx1"/>
-              </a:solidFill>
-            </a:endParaRPr>
-          </a:p>
-          <a:p>
-            <a:endParaRPr lang="en-US" altLang="ja-JP" sz="1200" dirty="0">
-              <a:solidFill>
-                <a:schemeClr val="tx1"/>
-              </a:solidFill>
-            </a:endParaRPr>
-          </a:p>
-          <a:p>
-            <a:r>
-              <a:rPr lang="ja-JP" altLang="en-US" sz="1200" dirty="0">
-                <a:solidFill>
-                  <a:schemeClr val="tx1"/>
-                </a:solidFill>
-              </a:rPr>
-              <a:t>ホーム</a:t>
-            </a:r>
-          </a:p>
-          <a:p>
-            <a:r>
-              <a:rPr lang="ja-JP" altLang="en-US" sz="1200" dirty="0">
-                <a:solidFill>
-                  <a:schemeClr val="tx1"/>
-                </a:solidFill>
-              </a:rPr>
-              <a:t>お知らせ</a:t>
-            </a:r>
-          </a:p>
-          <a:p>
-            <a:r>
-              <a:rPr lang="ja-JP" altLang="en-US" sz="1200" dirty="0">
-                <a:solidFill>
-                  <a:schemeClr val="tx1"/>
-                </a:solidFill>
-              </a:rPr>
-              <a:t>スタッフ</a:t>
-            </a:r>
-          </a:p>
-          <a:p>
-            <a:r>
-              <a:rPr lang="ja-JP" altLang="en-US" sz="1200" dirty="0">
-                <a:solidFill>
-                  <a:schemeClr val="tx1"/>
-                </a:solidFill>
-              </a:rPr>
-              <a:t>メニュー</a:t>
-            </a:r>
-          </a:p>
-          <a:p>
-            <a:r>
-              <a:rPr lang="ja-JP" altLang="en-US" sz="1200" dirty="0">
-                <a:solidFill>
-                  <a:schemeClr val="tx1"/>
-                </a:solidFill>
-              </a:rPr>
-              <a:t>アクセス</a:t>
-            </a:r>
-          </a:p>
-          <a:p>
-            <a:r>
-              <a:rPr lang="ja-JP" altLang="en-US" sz="1200" dirty="0">
-                <a:solidFill>
-                  <a:schemeClr val="tx1"/>
-                </a:solidFill>
-              </a:rPr>
-              <a:t>リクルート</a:t>
-            </a:r>
-          </a:p>
-        </p:txBody>
-      </p:sp>
-      <p:sp>
-        <p:nvSpPr>
-          <p:cNvPr id="12" name="正方形/長方形 11">
+        </p:txBody>
+      </p:sp>
+      <p:sp>
+        <p:nvSpPr>
+          <p:cNvPr id="16" name="正方形/長方形 15">
             <a:extLst>
               <a:ext uri="{FF2B5EF4-FFF2-40B4-BE49-F238E27FC236}">
-                <a16:creationId xmlns:a16="http://schemas.microsoft.com/office/drawing/2014/main" id="{ADD4B3F9-B0C3-4976-9DF1-D23EE24665E7}"/>
+                <a16:creationId xmlns:a16="http://schemas.microsoft.com/office/drawing/2014/main" id="{B9F6F21A-B658-44FE-BED2-8890F6FE2CF4}"/>
               </a:ext>
             </a:extLst>
           </p:cNvPr>
@@ -3923,7 +3588,7 @@
         </p:nvSpPr>
         <p:spPr>
           <a:xfrm>
-            <a:off x="3719564" y="3181"/>
+            <a:off x="6045933" y="-3905"/>
             <a:ext cx="810000" cy="540000"/>
           </a:xfrm>
           <a:prstGeom prst="rect">
@@ -3956,33 +3621,33 @@
           <a:p>
             <a:pPr algn="ctr"/>
             <a:r>
-              <a:rPr lang="en-US" altLang="ja-JP" sz="800" dirty="0">
+              <a:rPr lang="en-US" altLang="ja-JP" sz="801" dirty="0">
                 <a:solidFill>
                   <a:schemeClr val="tx1"/>
                 </a:solidFill>
               </a:rPr>
-              <a:t>HOME</a:t>
+              <a:t>ACCESS</a:t>
             </a:r>
           </a:p>
           <a:p>
             <a:pPr algn="ctr"/>
             <a:r>
-              <a:rPr lang="ja-JP" altLang="en-US" sz="800" dirty="0">
+              <a:rPr lang="ja-JP" altLang="en-US" sz="801" dirty="0">
                 <a:solidFill>
                   <a:schemeClr val="tx1"/>
                 </a:solidFill>
               </a:rPr>
-              <a:t>ホーム</a:t>
-            </a:r>
-          </a:p>
-        </p:txBody>
-      </p:sp>
-      <p:sp>
-        <p:nvSpPr>
-          <p:cNvPr id="13" name="正方形/長方形 12">
+              <a:t>アクセス</a:t>
+            </a:r>
+          </a:p>
+        </p:txBody>
+      </p:sp>
+      <p:sp>
+        <p:nvSpPr>
+          <p:cNvPr id="9" name="正方形/長方形 8">
             <a:extLst>
               <a:ext uri="{FF2B5EF4-FFF2-40B4-BE49-F238E27FC236}">
-                <a16:creationId xmlns:a16="http://schemas.microsoft.com/office/drawing/2014/main" id="{52E89D7D-3B96-4B05-B48B-9D1D78C7007E}"/>
+                <a16:creationId xmlns:a16="http://schemas.microsoft.com/office/drawing/2014/main" id="{4C4B58F1-D82D-4886-B268-E9FE57AD0603}"/>
               </a:ext>
             </a:extLst>
           </p:cNvPr>
@@ -3991,8 +3656,8 @@
         </p:nvSpPr>
         <p:spPr>
           <a:xfrm>
-            <a:off x="4533930" y="3181"/>
-            <a:ext cx="810000" cy="540000"/>
+            <a:off x="1856843" y="543907"/>
+            <a:ext cx="3136850" cy="540000"/>
           </a:xfrm>
           <a:prstGeom prst="rect">
             <a:avLst/>
@@ -4024,210 +3689,6 @@
           <a:p>
             <a:pPr algn="ctr"/>
             <a:r>
-              <a:rPr lang="en-US" altLang="ja-JP" sz="800" dirty="0">
-                <a:solidFill>
-                  <a:schemeClr val="tx1"/>
-                </a:solidFill>
-              </a:rPr>
-              <a:t>THERAPIST</a:t>
-            </a:r>
-          </a:p>
-          <a:p>
-            <a:pPr algn="ctr"/>
-            <a:r>
-              <a:rPr lang="ja-JP" altLang="en-US" sz="800" dirty="0">
-                <a:solidFill>
-                  <a:schemeClr val="tx1"/>
-                </a:solidFill>
-              </a:rPr>
-              <a:t>セラピスト</a:t>
-            </a:r>
-          </a:p>
-        </p:txBody>
-      </p:sp>
-      <p:sp>
-        <p:nvSpPr>
-          <p:cNvPr id="14" name="正方形/長方形 13">
-            <a:extLst>
-              <a:ext uri="{FF2B5EF4-FFF2-40B4-BE49-F238E27FC236}">
-                <a16:creationId xmlns:a16="http://schemas.microsoft.com/office/drawing/2014/main" id="{A3F7FFA3-9315-414A-822C-425FA752852D}"/>
-              </a:ext>
-            </a:extLst>
-          </p:cNvPr>
-          <p:cNvSpPr/>
-          <p:nvPr/>
-        </p:nvSpPr>
-        <p:spPr>
-          <a:xfrm>
-            <a:off x="5340200" y="3175"/>
-            <a:ext cx="810000" cy="540000"/>
-          </a:xfrm>
-          <a:prstGeom prst="rect">
-            <a:avLst/>
-          </a:prstGeom>
-          <a:noFill/>
-          <a:ln>
-            <a:noFill/>
-          </a:ln>
-        </p:spPr>
-        <p:style>
-          <a:lnRef idx="2">
-            <a:schemeClr val="accent1">
-              <a:shade val="50000"/>
-            </a:schemeClr>
-          </a:lnRef>
-          <a:fillRef idx="1">
-            <a:schemeClr val="accent1"/>
-          </a:fillRef>
-          <a:effectRef idx="0">
-            <a:schemeClr val="accent1"/>
-          </a:effectRef>
-          <a:fontRef idx="minor">
-            <a:schemeClr val="lt1"/>
-          </a:fontRef>
-        </p:style>
-        <p:txBody>
-          <a:bodyPr rtlCol="0" anchor="ctr"/>
-          <a:lstStyle/>
-          <a:p>
-            <a:pPr algn="ctr"/>
-            <a:r>
-              <a:rPr lang="en-US" altLang="ja-JP" sz="800" dirty="0">
-                <a:solidFill>
-                  <a:schemeClr val="tx1"/>
-                </a:solidFill>
-              </a:rPr>
-              <a:t>MENU</a:t>
-            </a:r>
-          </a:p>
-          <a:p>
-            <a:pPr algn="ctr"/>
-            <a:r>
-              <a:rPr lang="ja-JP" altLang="en-US" sz="800" dirty="0">
-                <a:solidFill>
-                  <a:schemeClr val="tx1"/>
-                </a:solidFill>
-              </a:rPr>
-              <a:t>メニュー</a:t>
-            </a:r>
-          </a:p>
-        </p:txBody>
-      </p:sp>
-      <p:sp>
-        <p:nvSpPr>
-          <p:cNvPr id="16" name="正方形/長方形 15">
-            <a:extLst>
-              <a:ext uri="{FF2B5EF4-FFF2-40B4-BE49-F238E27FC236}">
-                <a16:creationId xmlns:a16="http://schemas.microsoft.com/office/drawing/2014/main" id="{B9F6F21A-B658-44FE-BED2-8890F6FE2CF4}"/>
-              </a:ext>
-            </a:extLst>
-          </p:cNvPr>
-          <p:cNvSpPr/>
-          <p:nvPr/>
-        </p:nvSpPr>
-        <p:spPr>
-          <a:xfrm>
-            <a:off x="6045937" y="-724"/>
-            <a:ext cx="810000" cy="540000"/>
-          </a:xfrm>
-          <a:prstGeom prst="rect">
-            <a:avLst/>
-          </a:prstGeom>
-          <a:noFill/>
-          <a:ln>
-            <a:noFill/>
-          </a:ln>
-        </p:spPr>
-        <p:style>
-          <a:lnRef idx="2">
-            <a:schemeClr val="accent1">
-              <a:shade val="50000"/>
-            </a:schemeClr>
-          </a:lnRef>
-          <a:fillRef idx="1">
-            <a:schemeClr val="accent1"/>
-          </a:fillRef>
-          <a:effectRef idx="0">
-            <a:schemeClr val="accent1"/>
-          </a:effectRef>
-          <a:fontRef idx="minor">
-            <a:schemeClr val="lt1"/>
-          </a:fontRef>
-        </p:style>
-        <p:txBody>
-          <a:bodyPr rtlCol="0" anchor="ctr"/>
-          <a:lstStyle/>
-          <a:p>
-            <a:pPr algn="ctr"/>
-            <a:r>
-              <a:rPr lang="en-US" altLang="ja-JP" sz="800" dirty="0">
-                <a:solidFill>
-                  <a:schemeClr val="tx1"/>
-                </a:solidFill>
-              </a:rPr>
-              <a:t>ACCESS</a:t>
-            </a:r>
-          </a:p>
-          <a:p>
-            <a:pPr algn="ctr"/>
-            <a:r>
-              <a:rPr lang="ja-JP" altLang="en-US" sz="800" dirty="0">
-                <a:solidFill>
-                  <a:schemeClr val="tx1"/>
-                </a:solidFill>
-              </a:rPr>
-              <a:t>アクセス</a:t>
-            </a:r>
-          </a:p>
-        </p:txBody>
-      </p:sp>
-      <p:sp>
-        <p:nvSpPr>
-          <p:cNvPr id="9" name="正方形/長方形 8">
-            <a:extLst>
-              <a:ext uri="{FF2B5EF4-FFF2-40B4-BE49-F238E27FC236}">
-                <a16:creationId xmlns:a16="http://schemas.microsoft.com/office/drawing/2014/main" id="{4C4B58F1-D82D-4886-B268-E9FE57AD0603}"/>
-              </a:ext>
-            </a:extLst>
-          </p:cNvPr>
-          <p:cNvSpPr/>
-          <p:nvPr/>
-        </p:nvSpPr>
-        <p:spPr>
-          <a:xfrm>
-            <a:off x="1856844" y="547086"/>
-            <a:ext cx="3136851" cy="540000"/>
-          </a:xfrm>
-          <a:prstGeom prst="rect">
-            <a:avLst/>
-          </a:prstGeom>
-          <a:noFill/>
-          <a:ln>
-            <a:noFill/>
-          </a:ln>
-        </p:spPr>
-        <p:style>
-          <a:lnRef idx="2">
-            <a:schemeClr val="accent1">
-              <a:shade val="50000"/>
-            </a:schemeClr>
-          </a:lnRef>
-          <a:fillRef idx="1">
-            <a:schemeClr val="accent1"/>
-          </a:fillRef>
-          <a:effectRef idx="0">
-            <a:schemeClr val="accent1"/>
-          </a:effectRef>
-          <a:fontRef idx="minor">
-            <a:schemeClr val="lt1"/>
-          </a:fontRef>
-        </p:style>
-        <p:txBody>
-          <a:bodyPr rtlCol="0" anchor="ctr"/>
-          <a:lstStyle/>
-          <a:p>
-            <a:pPr algn="ctr"/>
-            <a:r>
               <a:rPr kumimoji="1" lang="ja-JP" altLang="en-US" dirty="0"/>
               <a:t>セラピスト</a:t>
             </a:r>
@@ -4248,8 +3709,8 @@
         </p:nvSpPr>
         <p:spPr>
           <a:xfrm>
-            <a:off x="0" y="1087086"/>
-            <a:ext cx="6858001" cy="1579914"/>
+            <a:off x="-4" y="1083905"/>
+            <a:ext cx="6858000" cy="1846431"/>
           </a:xfrm>
           <a:prstGeom prst="rect">
             <a:avLst/>
@@ -4286,156 +3747,6 @@
           </a:p>
         </p:txBody>
       </p:sp>
-      <p:pic>
-        <p:nvPicPr>
-          <p:cNvPr id="15" name="図 14">
-            <a:extLst>
-              <a:ext uri="{FF2B5EF4-FFF2-40B4-BE49-F238E27FC236}">
-                <a16:creationId xmlns:a16="http://schemas.microsoft.com/office/drawing/2014/main" id="{25670F6F-27AC-4463-9259-6C15C587E9F4}"/>
-              </a:ext>
-            </a:extLst>
-          </p:cNvPr>
-          <p:cNvPicPr>
-            <a:picLocks noChangeAspect="1"/>
-          </p:cNvPicPr>
-          <p:nvPr/>
-        </p:nvPicPr>
-        <p:blipFill>
-          <a:blip r:embed="rId2"/>
-          <a:stretch>
-            <a:fillRect/>
-          </a:stretch>
-        </p:blipFill>
-        <p:spPr>
-          <a:xfrm>
-            <a:off x="697388" y="1236821"/>
-            <a:ext cx="1026080" cy="1280444"/>
-          </a:xfrm>
-          <a:prstGeom prst="rect">
-            <a:avLst/>
-          </a:prstGeom>
-        </p:spPr>
-      </p:pic>
-      <p:pic>
-        <p:nvPicPr>
-          <p:cNvPr id="67" name="図 66">
-            <a:extLst>
-              <a:ext uri="{FF2B5EF4-FFF2-40B4-BE49-F238E27FC236}">
-                <a16:creationId xmlns:a16="http://schemas.microsoft.com/office/drawing/2014/main" id="{9189552E-C376-43AD-8980-85AC0359A6E0}"/>
-              </a:ext>
-            </a:extLst>
-          </p:cNvPr>
-          <p:cNvPicPr>
-            <a:picLocks noChangeAspect="1"/>
-          </p:cNvPicPr>
-          <p:nvPr/>
-        </p:nvPicPr>
-        <p:blipFill>
-          <a:blip r:embed="rId2"/>
-          <a:stretch>
-            <a:fillRect/>
-          </a:stretch>
-        </p:blipFill>
-        <p:spPr>
-          <a:xfrm>
-            <a:off x="1814626" y="1236821"/>
-            <a:ext cx="1026080" cy="1280444"/>
-          </a:xfrm>
-          <a:prstGeom prst="rect">
-            <a:avLst/>
-          </a:prstGeom>
-        </p:spPr>
-      </p:pic>
-      <p:pic>
-        <p:nvPicPr>
-          <p:cNvPr id="68" name="図 67">
-            <a:extLst>
-              <a:ext uri="{FF2B5EF4-FFF2-40B4-BE49-F238E27FC236}">
-                <a16:creationId xmlns:a16="http://schemas.microsoft.com/office/drawing/2014/main" id="{C9A78A67-3034-45D1-AECD-C96402F0B8BA}"/>
-              </a:ext>
-            </a:extLst>
-          </p:cNvPr>
-          <p:cNvPicPr>
-            <a:picLocks noChangeAspect="1"/>
-          </p:cNvPicPr>
-          <p:nvPr/>
-        </p:nvPicPr>
-        <p:blipFill>
-          <a:blip r:embed="rId2"/>
-          <a:stretch>
-            <a:fillRect/>
-          </a:stretch>
-        </p:blipFill>
-        <p:spPr>
-          <a:xfrm>
-            <a:off x="2915960" y="1236821"/>
-            <a:ext cx="1026080" cy="1280444"/>
-          </a:xfrm>
-          <a:prstGeom prst="rect">
-            <a:avLst/>
-          </a:prstGeom>
-        </p:spPr>
-      </p:pic>
-      <p:pic>
-        <p:nvPicPr>
-          <p:cNvPr id="69" name="図 68">
-            <a:extLst>
-              <a:ext uri="{FF2B5EF4-FFF2-40B4-BE49-F238E27FC236}">
-                <a16:creationId xmlns:a16="http://schemas.microsoft.com/office/drawing/2014/main" id="{79BA8F7C-8AE5-4F95-9B02-96BB0E403411}"/>
-              </a:ext>
-            </a:extLst>
-          </p:cNvPr>
-          <p:cNvPicPr>
-            <a:picLocks noChangeAspect="1"/>
-          </p:cNvPicPr>
-          <p:nvPr/>
-        </p:nvPicPr>
-        <p:blipFill>
-          <a:blip r:embed="rId2"/>
-          <a:stretch>
-            <a:fillRect/>
-          </a:stretch>
-        </p:blipFill>
-        <p:spPr>
-          <a:xfrm>
-            <a:off x="4017294" y="1236821"/>
-            <a:ext cx="1026080" cy="1280444"/>
-          </a:xfrm>
-          <a:prstGeom prst="rect">
-            <a:avLst/>
-          </a:prstGeom>
-        </p:spPr>
-      </p:pic>
-      <p:pic>
-        <p:nvPicPr>
-          <p:cNvPr id="70" name="図 69">
-            <a:extLst>
-              <a:ext uri="{FF2B5EF4-FFF2-40B4-BE49-F238E27FC236}">
-                <a16:creationId xmlns:a16="http://schemas.microsoft.com/office/drawing/2014/main" id="{3BA4448B-BC58-4E59-8A85-0E25706BC63F}"/>
-              </a:ext>
-            </a:extLst>
-          </p:cNvPr>
-          <p:cNvPicPr>
-            <a:picLocks noChangeAspect="1"/>
-          </p:cNvPicPr>
-          <p:nvPr/>
-        </p:nvPicPr>
-        <p:blipFill>
-          <a:blip r:embed="rId2"/>
-          <a:stretch>
-            <a:fillRect/>
-          </a:stretch>
-        </p:blipFill>
-        <p:spPr>
-          <a:xfrm>
-            <a:off x="5134532" y="1236821"/>
-            <a:ext cx="1026080" cy="1280444"/>
-          </a:xfrm>
-          <a:prstGeom prst="rect">
-            <a:avLst/>
-          </a:prstGeom>
-        </p:spPr>
-      </p:pic>
       <p:sp>
         <p:nvSpPr>
           <p:cNvPr id="17" name="二等辺三角形 16">
@@ -4450,7 +3761,7 @@
         </p:nvSpPr>
         <p:spPr>
           <a:xfrm rot="16200000">
-            <a:off x="119629" y="1757725"/>
+            <a:off x="119625" y="1754545"/>
             <a:ext cx="456582" cy="238635"/>
           </a:xfrm>
           <a:prstGeom prst="triangle">
@@ -4502,7 +3813,7 @@
         </p:nvSpPr>
         <p:spPr>
           <a:xfrm rot="5400000">
-            <a:off x="6281790" y="1757726"/>
+            <a:off x="6281787" y="1754545"/>
             <a:ext cx="456582" cy="238635"/>
           </a:xfrm>
           <a:prstGeom prst="triangle">
@@ -4554,8 +3865,8 @@
         </p:nvSpPr>
         <p:spPr>
           <a:xfrm>
-            <a:off x="3423454" y="3094196"/>
-            <a:ext cx="2737158" cy="3401854"/>
+            <a:off x="3423452" y="3091015"/>
+            <a:ext cx="2737157" cy="3401855"/>
           </a:xfrm>
           <a:prstGeom prst="rect">
             <a:avLst/>
@@ -4609,7 +3920,7 @@
         </p:nvGrpSpPr>
         <p:grpSpPr>
           <a:xfrm>
-            <a:off x="703351" y="3095920"/>
+            <a:off x="703349" y="3092740"/>
             <a:ext cx="2720103" cy="3400129"/>
             <a:chOff x="1098550" y="4042503"/>
             <a:chExt cx="1440000" cy="1800000"/>
@@ -4666,7 +3977,7 @@
             <a:p>
               <a:pPr algn="ctr"/>
               <a:r>
-                <a:rPr lang="ja-JP" altLang="en-US" sz="3200" dirty="0">
+                <a:rPr lang="ja-JP" altLang="en-US" sz="3199" dirty="0">
                   <a:solidFill>
                     <a:schemeClr val="tx1"/>
                   </a:solidFill>
@@ -4757,8 +4068,8 @@
         </p:nvSpPr>
         <p:spPr>
           <a:xfrm>
-            <a:off x="697388" y="6800850"/>
-            <a:ext cx="5463224" cy="4591050"/>
+            <a:off x="697386" y="6797670"/>
+            <a:ext cx="5463224" cy="4591051"/>
           </a:xfrm>
           <a:prstGeom prst="roundRect">
             <a:avLst>
@@ -4811,8 +4122,8 @@
         </p:nvSpPr>
         <p:spPr>
           <a:xfrm>
-            <a:off x="1862033" y="6800849"/>
-            <a:ext cx="3136851" cy="540000"/>
+            <a:off x="1862031" y="6797669"/>
+            <a:ext cx="3136850" cy="540000"/>
           </a:xfrm>
           <a:prstGeom prst="rect">
             <a:avLst/>
@@ -4865,8 +4176,8 @@
         </p:nvSpPr>
         <p:spPr>
           <a:xfrm>
-            <a:off x="914400" y="7620000"/>
-            <a:ext cx="2509054" cy="3533775"/>
+            <a:off x="914396" y="7616822"/>
+            <a:ext cx="2509054" cy="3533774"/>
           </a:xfrm>
           <a:prstGeom prst="rect">
             <a:avLst/>
@@ -4917,8 +4228,8 @@
         </p:nvSpPr>
         <p:spPr>
           <a:xfrm>
-            <a:off x="3423454" y="7620000"/>
-            <a:ext cx="2509054" cy="3533775"/>
+            <a:off x="3423450" y="7616822"/>
+            <a:ext cx="2509054" cy="3533774"/>
           </a:xfrm>
           <a:prstGeom prst="rect">
             <a:avLst/>
@@ -4969,8 +4280,8 @@
         </p:nvSpPr>
         <p:spPr>
           <a:xfrm>
-            <a:off x="1845719" y="7812226"/>
-            <a:ext cx="646416" cy="723900"/>
+            <a:off x="1845716" y="7809047"/>
+            <a:ext cx="646417" cy="723900"/>
           </a:xfrm>
           <a:prstGeom prst="rect">
             <a:avLst/>
@@ -5006,7 +4317,7 @@
           <a:p>
             <a:pPr algn="ctr"/>
             <a:r>
-              <a:rPr kumimoji="1" lang="ja-JP" altLang="en-US" sz="1200" dirty="0">
+              <a:rPr kumimoji="1" lang="ja-JP" altLang="en-US" sz="1199" dirty="0">
                 <a:solidFill>
                   <a:schemeClr val="bg1"/>
                 </a:solidFill>
@@ -5022,14 +4333,14 @@
           <a:p>
             <a:pPr algn="ctr"/>
             <a:r>
-              <a:rPr kumimoji="1" lang="ja-JP" altLang="en-US" sz="1200" dirty="0">
+              <a:rPr kumimoji="1" lang="ja-JP" altLang="en-US" sz="1199" dirty="0">
                 <a:solidFill>
                   <a:schemeClr val="bg1"/>
                 </a:solidFill>
               </a:rPr>
               <a:t>画像</a:t>
             </a:r>
-            <a:endParaRPr kumimoji="1" lang="en-US" altLang="ja-JP" sz="1200" dirty="0">
+            <a:endParaRPr kumimoji="1" lang="en-US" altLang="ja-JP" sz="1199" dirty="0">
               <a:solidFill>
                 <a:schemeClr val="bg1"/>
               </a:solidFill>
@@ -5051,8 +4362,8 @@
         </p:nvSpPr>
         <p:spPr>
           <a:xfrm>
-            <a:off x="1077052" y="7812226"/>
-            <a:ext cx="646416" cy="723900"/>
+            <a:off x="1077049" y="7809047"/>
+            <a:ext cx="646417" cy="723900"/>
           </a:xfrm>
           <a:prstGeom prst="rect">
             <a:avLst/>
@@ -5088,7 +4399,7 @@
           <a:p>
             <a:pPr algn="ctr"/>
             <a:r>
-              <a:rPr kumimoji="1" lang="ja-JP" altLang="en-US" sz="1200" dirty="0">
+              <a:rPr kumimoji="1" lang="ja-JP" altLang="en-US" sz="1199" dirty="0">
                 <a:solidFill>
                   <a:schemeClr val="bg1"/>
                 </a:solidFill>
@@ -5104,14 +4415,14 @@
           <a:p>
             <a:pPr algn="ctr"/>
             <a:r>
-              <a:rPr kumimoji="1" lang="ja-JP" altLang="en-US" sz="1200" dirty="0">
+              <a:rPr kumimoji="1" lang="ja-JP" altLang="en-US" sz="1199" dirty="0">
                 <a:solidFill>
                   <a:schemeClr val="bg1"/>
                 </a:solidFill>
               </a:rPr>
               <a:t>画像</a:t>
             </a:r>
-            <a:endParaRPr kumimoji="1" lang="en-US" altLang="ja-JP" sz="1200" dirty="0">
+            <a:endParaRPr kumimoji="1" lang="en-US" altLang="ja-JP" sz="1199" dirty="0">
               <a:solidFill>
                 <a:schemeClr val="bg1"/>
               </a:solidFill>
@@ -5133,8 +4444,8 @@
         </p:nvSpPr>
         <p:spPr>
           <a:xfrm>
-            <a:off x="2634586" y="7812226"/>
-            <a:ext cx="646416" cy="723900"/>
+            <a:off x="2634584" y="7809047"/>
+            <a:ext cx="646417" cy="723900"/>
           </a:xfrm>
           <a:prstGeom prst="rect">
             <a:avLst/>
@@ -5170,7 +4481,7 @@
           <a:p>
             <a:pPr algn="ctr"/>
             <a:r>
-              <a:rPr kumimoji="1" lang="ja-JP" altLang="en-US" sz="1200" dirty="0">
+              <a:rPr kumimoji="1" lang="ja-JP" altLang="en-US" sz="1199" dirty="0">
                 <a:solidFill>
                   <a:schemeClr val="bg1"/>
                 </a:solidFill>
@@ -5186,14 +4497,14 @@
           <a:p>
             <a:pPr algn="ctr"/>
             <a:r>
-              <a:rPr kumimoji="1" lang="ja-JP" altLang="en-US" sz="1200" dirty="0">
+              <a:rPr kumimoji="1" lang="ja-JP" altLang="en-US" sz="1199" dirty="0">
                 <a:solidFill>
                   <a:schemeClr val="bg1"/>
                 </a:solidFill>
               </a:rPr>
               <a:t>画像</a:t>
             </a:r>
-            <a:endParaRPr kumimoji="1" lang="en-US" altLang="ja-JP" sz="1200" dirty="0">
+            <a:endParaRPr kumimoji="1" lang="en-US" altLang="ja-JP" sz="1199" dirty="0">
               <a:solidFill>
                 <a:schemeClr val="bg1"/>
               </a:solidFill>
@@ -5215,8 +4526,8 @@
         </p:nvSpPr>
         <p:spPr>
           <a:xfrm>
-            <a:off x="1845719" y="8728352"/>
-            <a:ext cx="646416" cy="723900"/>
+            <a:off x="1845716" y="8725173"/>
+            <a:ext cx="646417" cy="723900"/>
           </a:xfrm>
           <a:prstGeom prst="rect">
             <a:avLst/>
@@ -5252,7 +4563,7 @@
           <a:p>
             <a:pPr algn="ctr"/>
             <a:r>
-              <a:rPr kumimoji="1" lang="ja-JP" altLang="en-US" sz="1200" dirty="0">
+              <a:rPr kumimoji="1" lang="ja-JP" altLang="en-US" sz="1199" dirty="0">
                 <a:solidFill>
                   <a:schemeClr val="bg1"/>
                 </a:solidFill>
@@ -5268,14 +4579,14 @@
           <a:p>
             <a:pPr algn="ctr"/>
             <a:r>
-              <a:rPr kumimoji="1" lang="ja-JP" altLang="en-US" sz="1200" dirty="0">
+              <a:rPr kumimoji="1" lang="ja-JP" altLang="en-US" sz="1199" dirty="0">
                 <a:solidFill>
                   <a:schemeClr val="bg1"/>
                 </a:solidFill>
               </a:rPr>
               <a:t>画像</a:t>
             </a:r>
-            <a:endParaRPr kumimoji="1" lang="en-US" altLang="ja-JP" sz="1200" dirty="0">
+            <a:endParaRPr kumimoji="1" lang="en-US" altLang="ja-JP" sz="1199" dirty="0">
               <a:solidFill>
                 <a:schemeClr val="bg1"/>
               </a:solidFill>
@@ -5297,8 +4608,8 @@
         </p:nvSpPr>
         <p:spPr>
           <a:xfrm>
-            <a:off x="1077052" y="8728352"/>
-            <a:ext cx="646416" cy="723900"/>
+            <a:off x="1077049" y="8725173"/>
+            <a:ext cx="646417" cy="723900"/>
           </a:xfrm>
           <a:prstGeom prst="rect">
             <a:avLst/>
@@ -5334,7 +4645,7 @@
           <a:p>
             <a:pPr algn="ctr"/>
             <a:r>
-              <a:rPr kumimoji="1" lang="ja-JP" altLang="en-US" sz="1200" dirty="0">
+              <a:rPr kumimoji="1" lang="ja-JP" altLang="en-US" sz="1199" dirty="0">
                 <a:solidFill>
                   <a:schemeClr val="bg1"/>
                 </a:solidFill>
@@ -5350,14 +4661,14 @@
           <a:p>
             <a:pPr algn="ctr"/>
             <a:r>
-              <a:rPr kumimoji="1" lang="ja-JP" altLang="en-US" sz="1200" dirty="0">
+              <a:rPr kumimoji="1" lang="ja-JP" altLang="en-US" sz="1199" dirty="0">
                 <a:solidFill>
                   <a:schemeClr val="bg1"/>
                 </a:solidFill>
               </a:rPr>
               <a:t>画像</a:t>
             </a:r>
-            <a:endParaRPr kumimoji="1" lang="en-US" altLang="ja-JP" sz="1200" dirty="0">
+            <a:endParaRPr kumimoji="1" lang="en-US" altLang="ja-JP" sz="1199" dirty="0">
               <a:solidFill>
                 <a:schemeClr val="bg1"/>
               </a:solidFill>
@@ -5379,8 +4690,8 @@
         </p:nvSpPr>
         <p:spPr>
           <a:xfrm>
-            <a:off x="2634586" y="8728352"/>
-            <a:ext cx="646416" cy="723900"/>
+            <a:off x="2634584" y="8725173"/>
+            <a:ext cx="646417" cy="723900"/>
           </a:xfrm>
           <a:prstGeom prst="rect">
             <a:avLst/>
@@ -5416,7 +4727,7 @@
           <a:p>
             <a:pPr algn="ctr"/>
             <a:r>
-              <a:rPr kumimoji="1" lang="ja-JP" altLang="en-US" sz="1200" dirty="0">
+              <a:rPr kumimoji="1" lang="ja-JP" altLang="en-US" sz="1199" dirty="0">
                 <a:solidFill>
                   <a:schemeClr val="bg1"/>
                 </a:solidFill>
@@ -5432,14 +4743,14 @@
           <a:p>
             <a:pPr algn="ctr"/>
             <a:r>
-              <a:rPr kumimoji="1" lang="ja-JP" altLang="en-US" sz="1200" dirty="0">
+              <a:rPr kumimoji="1" lang="ja-JP" altLang="en-US" sz="1199" dirty="0">
                 <a:solidFill>
                   <a:schemeClr val="bg1"/>
                 </a:solidFill>
               </a:rPr>
               <a:t>画像</a:t>
             </a:r>
-            <a:endParaRPr kumimoji="1" lang="en-US" altLang="ja-JP" sz="1200" dirty="0">
+            <a:endParaRPr kumimoji="1" lang="en-US" altLang="ja-JP" sz="1199" dirty="0">
               <a:solidFill>
                 <a:schemeClr val="bg1"/>
               </a:solidFill>
@@ -5461,8 +4772,8 @@
         </p:nvSpPr>
         <p:spPr>
           <a:xfrm>
-            <a:off x="1845719" y="9644478"/>
-            <a:ext cx="646416" cy="723900"/>
+            <a:off x="1845716" y="9641298"/>
+            <a:ext cx="646417" cy="723900"/>
           </a:xfrm>
           <a:prstGeom prst="rect">
             <a:avLst/>
@@ -5498,7 +4809,7 @@
           <a:p>
             <a:pPr algn="ctr"/>
             <a:r>
-              <a:rPr kumimoji="1" lang="ja-JP" altLang="en-US" sz="1200" dirty="0">
+              <a:rPr kumimoji="1" lang="ja-JP" altLang="en-US" sz="1199" dirty="0">
                 <a:solidFill>
                   <a:schemeClr val="bg1"/>
                 </a:solidFill>
@@ -5514,14 +4825,14 @@
           <a:p>
             <a:pPr algn="ctr"/>
             <a:r>
-              <a:rPr kumimoji="1" lang="ja-JP" altLang="en-US" sz="1200" dirty="0">
+              <a:rPr kumimoji="1" lang="ja-JP" altLang="en-US" sz="1199" dirty="0">
                 <a:solidFill>
                   <a:schemeClr val="bg1"/>
                 </a:solidFill>
               </a:rPr>
               <a:t>画像</a:t>
             </a:r>
-            <a:endParaRPr kumimoji="1" lang="en-US" altLang="ja-JP" sz="1200" dirty="0">
+            <a:endParaRPr kumimoji="1" lang="en-US" altLang="ja-JP" sz="1199" dirty="0">
               <a:solidFill>
                 <a:schemeClr val="bg1"/>
               </a:solidFill>
@@ -5543,8 +4854,8 @@
         </p:nvSpPr>
         <p:spPr>
           <a:xfrm>
-            <a:off x="1077052" y="9644478"/>
-            <a:ext cx="646416" cy="723900"/>
+            <a:off x="1077049" y="9641298"/>
+            <a:ext cx="646417" cy="723900"/>
           </a:xfrm>
           <a:prstGeom prst="rect">
             <a:avLst/>
@@ -5580,7 +4891,7 @@
           <a:p>
             <a:pPr algn="ctr"/>
             <a:r>
-              <a:rPr kumimoji="1" lang="ja-JP" altLang="en-US" sz="1200" dirty="0">
+              <a:rPr kumimoji="1" lang="ja-JP" altLang="en-US" sz="1199" dirty="0">
                 <a:solidFill>
                   <a:schemeClr val="bg1"/>
                 </a:solidFill>
@@ -5596,14 +4907,14 @@
           <a:p>
             <a:pPr algn="ctr"/>
             <a:r>
-              <a:rPr kumimoji="1" lang="ja-JP" altLang="en-US" sz="1200" dirty="0">
+              <a:rPr kumimoji="1" lang="ja-JP" altLang="en-US" sz="1199" dirty="0">
                 <a:solidFill>
                   <a:schemeClr val="bg1"/>
                 </a:solidFill>
               </a:rPr>
               <a:t>画像</a:t>
             </a:r>
-            <a:endParaRPr kumimoji="1" lang="en-US" altLang="ja-JP" sz="1200" dirty="0">
+            <a:endParaRPr kumimoji="1" lang="en-US" altLang="ja-JP" sz="1199" dirty="0">
               <a:solidFill>
                 <a:schemeClr val="bg1"/>
               </a:solidFill>
@@ -5625,8 +4936,8 @@
         </p:nvSpPr>
         <p:spPr>
           <a:xfrm>
-            <a:off x="2634586" y="9644478"/>
-            <a:ext cx="646416" cy="723900"/>
+            <a:off x="2634584" y="9641298"/>
+            <a:ext cx="646417" cy="723900"/>
           </a:xfrm>
           <a:prstGeom prst="rect">
             <a:avLst/>
@@ -5662,7 +4973,7 @@
           <a:p>
             <a:pPr algn="ctr"/>
             <a:r>
-              <a:rPr kumimoji="1" lang="ja-JP" altLang="en-US" sz="1200" dirty="0">
+              <a:rPr kumimoji="1" lang="ja-JP" altLang="en-US" sz="1199" dirty="0">
                 <a:solidFill>
                   <a:schemeClr val="bg1"/>
                 </a:solidFill>
@@ -5678,14 +4989,14 @@
           <a:p>
             <a:pPr algn="ctr"/>
             <a:r>
-              <a:rPr kumimoji="1" lang="ja-JP" altLang="en-US" sz="1200" dirty="0">
+              <a:rPr kumimoji="1" lang="ja-JP" altLang="en-US" sz="1199" dirty="0">
                 <a:solidFill>
                   <a:schemeClr val="bg1"/>
                 </a:solidFill>
               </a:rPr>
               <a:t>画像</a:t>
             </a:r>
-            <a:endParaRPr kumimoji="1" lang="en-US" altLang="ja-JP" sz="1200" dirty="0">
+            <a:endParaRPr kumimoji="1" lang="en-US" altLang="ja-JP" sz="1199" dirty="0">
               <a:solidFill>
                 <a:schemeClr val="bg1"/>
               </a:solidFill>
@@ -5707,8 +5018,8 @@
         </p:nvSpPr>
         <p:spPr>
           <a:xfrm rot="5400000">
-            <a:off x="2629826" y="10581039"/>
-            <a:ext cx="369595" cy="360075"/>
+            <a:off x="2629825" y="10577863"/>
+            <a:ext cx="369594" cy="360075"/>
           </a:xfrm>
           <a:prstGeom prst="triangle">
             <a:avLst>
@@ -5761,8 +5072,8 @@
         </p:nvSpPr>
         <p:spPr>
           <a:xfrm rot="16200000">
-            <a:off x="1358821" y="10581039"/>
-            <a:ext cx="369595" cy="360075"/>
+            <a:off x="1358820" y="10577863"/>
+            <a:ext cx="369594" cy="360075"/>
           </a:xfrm>
           <a:prstGeom prst="triangle">
             <a:avLst>
@@ -5815,7 +5126,7 @@
         </p:nvSpPr>
         <p:spPr>
           <a:xfrm>
-            <a:off x="1723469" y="10576279"/>
+            <a:off x="1723464" y="10573100"/>
             <a:ext cx="911118" cy="369596"/>
           </a:xfrm>
           <a:prstGeom prst="rect">
@@ -5848,10 +5159,10 @@
           <a:p>
             <a:pPr algn="ctr"/>
             <a:r>
-              <a:rPr kumimoji="1" lang="en-US" altLang="ja-JP" sz="1050" dirty="0"/>
+              <a:rPr kumimoji="1" lang="en-US" altLang="ja-JP" sz="1051" dirty="0"/>
               <a:t>View More</a:t>
             </a:r>
-            <a:endParaRPr kumimoji="1" lang="ja-JP" altLang="en-US" sz="1050" dirty="0"/>
+            <a:endParaRPr kumimoji="1" lang="ja-JP" altLang="en-US" sz="1051" dirty="0"/>
           </a:p>
         </p:txBody>
       </p:sp>
@@ -5869,8 +5180,8 @@
         </p:nvSpPr>
         <p:spPr>
           <a:xfrm>
-            <a:off x="3719564" y="7798048"/>
-            <a:ext cx="1820176" cy="1846429"/>
+            <a:off x="3719563" y="7794867"/>
+            <a:ext cx="1907237" cy="1846431"/>
           </a:xfrm>
           <a:prstGeom prst="rect">
             <a:avLst/>
@@ -5906,7 +5217,7 @@
           <a:p>
             <a:pPr algn="ctr"/>
             <a:r>
-              <a:rPr kumimoji="1" lang="ja-JP" altLang="en-US" sz="1200" dirty="0">
+              <a:rPr kumimoji="1" lang="ja-JP" altLang="en-US" sz="1199" dirty="0">
                 <a:solidFill>
                   <a:schemeClr val="bg1"/>
                 </a:solidFill>
@@ -5922,18 +5233,1013 @@
           <a:p>
             <a:pPr algn="ctr"/>
             <a:r>
-              <a:rPr kumimoji="1" lang="ja-JP" altLang="en-US" sz="1200" dirty="0">
+              <a:rPr kumimoji="1" lang="ja-JP" altLang="en-US" sz="1199" dirty="0">
                 <a:solidFill>
                   <a:schemeClr val="bg1"/>
                 </a:solidFill>
               </a:rPr>
               <a:t>画像</a:t>
             </a:r>
-            <a:endParaRPr kumimoji="1" lang="en-US" altLang="ja-JP" sz="1200" dirty="0">
+            <a:endParaRPr kumimoji="1" lang="en-US" altLang="ja-JP" sz="1199" dirty="0">
               <a:solidFill>
                 <a:schemeClr val="bg1"/>
               </a:solidFill>
             </a:endParaRPr>
+          </a:p>
+        </p:txBody>
+      </p:sp>
+      <p:sp>
+        <p:nvSpPr>
+          <p:cNvPr id="40" name="正方形/長方形 39">
+            <a:extLst>
+              <a:ext uri="{FF2B5EF4-FFF2-40B4-BE49-F238E27FC236}">
+                <a16:creationId xmlns:a16="http://schemas.microsoft.com/office/drawing/2014/main" id="{4D3A3EF1-EA17-4FB9-B31E-52717A6F3219}"/>
+              </a:ext>
+            </a:extLst>
+          </p:cNvPr>
+          <p:cNvSpPr/>
+          <p:nvPr/>
+        </p:nvSpPr>
+        <p:spPr>
+          <a:xfrm>
+            <a:off x="3719563" y="9641299"/>
+            <a:ext cx="1907237" cy="1301395"/>
+          </a:xfrm>
+          <a:prstGeom prst="rect">
+            <a:avLst/>
+          </a:prstGeom>
+          <a:solidFill>
+            <a:schemeClr val="tx1"/>
+          </a:solidFill>
+          <a:ln>
+            <a:solidFill>
+              <a:srgbClr val="FF0000"/>
+            </a:solidFill>
+          </a:ln>
+        </p:spPr>
+        <p:style>
+          <a:lnRef idx="2">
+            <a:schemeClr val="accent1">
+              <a:shade val="50000"/>
+            </a:schemeClr>
+          </a:lnRef>
+          <a:fillRef idx="1">
+            <a:schemeClr val="accent1"/>
+          </a:fillRef>
+          <a:effectRef idx="0">
+            <a:schemeClr val="accent1"/>
+          </a:effectRef>
+          <a:fontRef idx="minor">
+            <a:schemeClr val="lt1"/>
+          </a:fontRef>
+        </p:style>
+        <p:txBody>
+          <a:bodyPr rtlCol="0" anchor="ctr"/>
+          <a:lstStyle/>
+          <a:p>
+            <a:pPr algn="ctr"/>
+            <a:r>
+              <a:rPr kumimoji="1" lang="ja-JP" altLang="en-US" sz="1199" dirty="0">
+                <a:solidFill>
+                  <a:schemeClr val="bg1"/>
+                </a:solidFill>
+              </a:rPr>
+              <a:t>キャプション</a:t>
+            </a:r>
+            <a:endParaRPr kumimoji="1" lang="en-US" altLang="ja-JP" sz="1199" dirty="0">
+              <a:solidFill>
+                <a:schemeClr val="bg1"/>
+              </a:solidFill>
+            </a:endParaRPr>
+          </a:p>
+        </p:txBody>
+      </p:sp>
+      <p:grpSp>
+        <p:nvGrpSpPr>
+          <p:cNvPr id="41" name="グループ化 40">
+            <a:extLst>
+              <a:ext uri="{FF2B5EF4-FFF2-40B4-BE49-F238E27FC236}">
+                <a16:creationId xmlns:a16="http://schemas.microsoft.com/office/drawing/2014/main" id="{46CC2BBB-141B-4353-AC03-31B1ACB6C03C}"/>
+              </a:ext>
+            </a:extLst>
+          </p:cNvPr>
+          <p:cNvGrpSpPr/>
+          <p:nvPr/>
+        </p:nvGrpSpPr>
+        <p:grpSpPr>
+          <a:xfrm>
+            <a:off x="703347" y="1229972"/>
+            <a:ext cx="1024356" cy="1554297"/>
+            <a:chOff x="1098550" y="4042503"/>
+            <a:chExt cx="1440000" cy="2184974"/>
+          </a:xfrm>
+        </p:grpSpPr>
+        <p:sp>
+          <p:nvSpPr>
+            <p:cNvPr id="42" name="正方形/長方形 41">
+              <a:extLst>
+                <a:ext uri="{FF2B5EF4-FFF2-40B4-BE49-F238E27FC236}">
+                  <a16:creationId xmlns:a16="http://schemas.microsoft.com/office/drawing/2014/main" id="{D9BDDD9C-5819-48CE-8B95-4E42B2CA78FC}"/>
+                </a:ext>
+              </a:extLst>
+            </p:cNvPr>
+            <p:cNvSpPr/>
+            <p:nvPr/>
+          </p:nvSpPr>
+          <p:spPr>
+            <a:xfrm>
+              <a:off x="1098550" y="4042503"/>
+              <a:ext cx="1440000" cy="1440000"/>
+            </a:xfrm>
+            <a:prstGeom prst="rect">
+              <a:avLst/>
+            </a:prstGeom>
+            <a:solidFill>
+              <a:schemeClr val="bg1"/>
+            </a:solidFill>
+            <a:ln>
+              <a:solidFill>
+                <a:schemeClr val="tx1"/>
+              </a:solidFill>
+            </a:ln>
+          </p:spPr>
+          <p:style>
+            <a:lnRef idx="2">
+              <a:schemeClr val="accent1">
+                <a:shade val="50000"/>
+              </a:schemeClr>
+            </a:lnRef>
+            <a:fillRef idx="1">
+              <a:schemeClr val="accent1"/>
+            </a:fillRef>
+            <a:effectRef idx="0">
+              <a:schemeClr val="accent1"/>
+            </a:effectRef>
+            <a:fontRef idx="minor">
+              <a:schemeClr val="lt1"/>
+            </a:fontRef>
+          </p:style>
+          <p:txBody>
+            <a:bodyPr rtlCol="0" anchor="ctr"/>
+            <a:lstStyle/>
+            <a:p>
+              <a:pPr algn="ctr"/>
+              <a:r>
+                <a:rPr lang="ja-JP" altLang="en-US" dirty="0">
+                  <a:solidFill>
+                    <a:schemeClr val="tx1"/>
+                  </a:solidFill>
+                </a:rPr>
+                <a:t>写真</a:t>
+              </a:r>
+            </a:p>
+          </p:txBody>
+        </p:sp>
+        <p:sp>
+          <p:nvSpPr>
+            <p:cNvPr id="43" name="正方形/長方形 42">
+              <a:extLst>
+                <a:ext uri="{FF2B5EF4-FFF2-40B4-BE49-F238E27FC236}">
+                  <a16:creationId xmlns:a16="http://schemas.microsoft.com/office/drawing/2014/main" id="{9205B2B0-8A44-4026-A477-2188CFECB968}"/>
+                </a:ext>
+              </a:extLst>
+            </p:cNvPr>
+            <p:cNvSpPr/>
+            <p:nvPr/>
+          </p:nvSpPr>
+          <p:spPr>
+            <a:xfrm>
+              <a:off x="1098550" y="5482503"/>
+              <a:ext cx="1440000" cy="744974"/>
+            </a:xfrm>
+            <a:prstGeom prst="rect">
+              <a:avLst/>
+            </a:prstGeom>
+            <a:solidFill>
+              <a:schemeClr val="bg1"/>
+            </a:solidFill>
+            <a:ln>
+              <a:solidFill>
+                <a:schemeClr val="tx1"/>
+              </a:solidFill>
+            </a:ln>
+          </p:spPr>
+          <p:style>
+            <a:lnRef idx="2">
+              <a:schemeClr val="accent1">
+                <a:shade val="50000"/>
+              </a:schemeClr>
+            </a:lnRef>
+            <a:fillRef idx="1">
+              <a:schemeClr val="accent1"/>
+            </a:fillRef>
+            <a:effectRef idx="0">
+              <a:schemeClr val="accent1"/>
+            </a:effectRef>
+            <a:fontRef idx="minor">
+              <a:schemeClr val="lt1"/>
+            </a:fontRef>
+          </p:style>
+          <p:txBody>
+            <a:bodyPr rtlCol="0" anchor="ctr"/>
+            <a:lstStyle/>
+            <a:p>
+              <a:pPr algn="ctr"/>
+              <a:r>
+                <a:rPr lang="ja-JP" altLang="en-US" sz="1051" dirty="0">
+                  <a:solidFill>
+                    <a:schemeClr val="tx1"/>
+                  </a:solidFill>
+                </a:rPr>
+                <a:t>出勤中！</a:t>
+              </a:r>
+              <a:endParaRPr lang="en-US" altLang="ja-JP" sz="1051" dirty="0">
+                <a:solidFill>
+                  <a:schemeClr val="tx1"/>
+                </a:solidFill>
+              </a:endParaRPr>
+            </a:p>
+            <a:p>
+              <a:pPr algn="ctr"/>
+              <a:r>
+                <a:rPr lang="en-US" altLang="ja-JP" sz="1051" dirty="0">
+                  <a:solidFill>
+                    <a:schemeClr val="tx1"/>
+                  </a:solidFill>
+                </a:rPr>
+                <a:t>14:00~20:00</a:t>
+              </a:r>
+            </a:p>
+          </p:txBody>
+        </p:sp>
+      </p:grpSp>
+      <p:grpSp>
+        <p:nvGrpSpPr>
+          <p:cNvPr id="44" name="グループ化 43">
+            <a:extLst>
+              <a:ext uri="{FF2B5EF4-FFF2-40B4-BE49-F238E27FC236}">
+                <a16:creationId xmlns:a16="http://schemas.microsoft.com/office/drawing/2014/main" id="{9691EE4E-0247-40DB-93D6-057D5CA5848A}"/>
+              </a:ext>
+            </a:extLst>
+          </p:cNvPr>
+          <p:cNvGrpSpPr/>
+          <p:nvPr/>
+        </p:nvGrpSpPr>
+        <p:grpSpPr>
+          <a:xfrm>
+            <a:off x="5135882" y="1229972"/>
+            <a:ext cx="1024356" cy="1554297"/>
+            <a:chOff x="1098550" y="4042503"/>
+            <a:chExt cx="1440000" cy="2184974"/>
+          </a:xfrm>
+        </p:grpSpPr>
+        <p:sp>
+          <p:nvSpPr>
+            <p:cNvPr id="45" name="正方形/長方形 44">
+              <a:extLst>
+                <a:ext uri="{FF2B5EF4-FFF2-40B4-BE49-F238E27FC236}">
+                  <a16:creationId xmlns:a16="http://schemas.microsoft.com/office/drawing/2014/main" id="{D28B7C7A-03F2-47BA-93BA-88D56ABF21D2}"/>
+                </a:ext>
+              </a:extLst>
+            </p:cNvPr>
+            <p:cNvSpPr/>
+            <p:nvPr/>
+          </p:nvSpPr>
+          <p:spPr>
+            <a:xfrm>
+              <a:off x="1098550" y="4042503"/>
+              <a:ext cx="1440000" cy="1440000"/>
+            </a:xfrm>
+            <a:prstGeom prst="rect">
+              <a:avLst/>
+            </a:prstGeom>
+            <a:solidFill>
+              <a:schemeClr val="bg1"/>
+            </a:solidFill>
+            <a:ln>
+              <a:solidFill>
+                <a:schemeClr val="tx1"/>
+              </a:solidFill>
+            </a:ln>
+          </p:spPr>
+          <p:style>
+            <a:lnRef idx="2">
+              <a:schemeClr val="accent1">
+                <a:shade val="50000"/>
+              </a:schemeClr>
+            </a:lnRef>
+            <a:fillRef idx="1">
+              <a:schemeClr val="accent1"/>
+            </a:fillRef>
+            <a:effectRef idx="0">
+              <a:schemeClr val="accent1"/>
+            </a:effectRef>
+            <a:fontRef idx="minor">
+              <a:schemeClr val="lt1"/>
+            </a:fontRef>
+          </p:style>
+          <p:txBody>
+            <a:bodyPr rtlCol="0" anchor="ctr"/>
+            <a:lstStyle/>
+            <a:p>
+              <a:pPr algn="ctr"/>
+              <a:r>
+                <a:rPr lang="ja-JP" altLang="en-US" dirty="0">
+                  <a:solidFill>
+                    <a:schemeClr val="tx1"/>
+                  </a:solidFill>
+                </a:rPr>
+                <a:t>写真</a:t>
+              </a:r>
+            </a:p>
+          </p:txBody>
+        </p:sp>
+        <p:sp>
+          <p:nvSpPr>
+            <p:cNvPr id="46" name="正方形/長方形 45">
+              <a:extLst>
+                <a:ext uri="{FF2B5EF4-FFF2-40B4-BE49-F238E27FC236}">
+                  <a16:creationId xmlns:a16="http://schemas.microsoft.com/office/drawing/2014/main" id="{7A9FD01F-57A2-45D6-8EE5-B89631A37C93}"/>
+                </a:ext>
+              </a:extLst>
+            </p:cNvPr>
+            <p:cNvSpPr/>
+            <p:nvPr/>
+          </p:nvSpPr>
+          <p:spPr>
+            <a:xfrm>
+              <a:off x="1098550" y="5482503"/>
+              <a:ext cx="1440000" cy="744974"/>
+            </a:xfrm>
+            <a:prstGeom prst="rect">
+              <a:avLst/>
+            </a:prstGeom>
+            <a:solidFill>
+              <a:schemeClr val="bg1"/>
+            </a:solidFill>
+            <a:ln>
+              <a:solidFill>
+                <a:schemeClr val="tx1"/>
+              </a:solidFill>
+            </a:ln>
+          </p:spPr>
+          <p:style>
+            <a:lnRef idx="2">
+              <a:schemeClr val="accent1">
+                <a:shade val="50000"/>
+              </a:schemeClr>
+            </a:lnRef>
+            <a:fillRef idx="1">
+              <a:schemeClr val="accent1"/>
+            </a:fillRef>
+            <a:effectRef idx="0">
+              <a:schemeClr val="accent1"/>
+            </a:effectRef>
+            <a:fontRef idx="minor">
+              <a:schemeClr val="lt1"/>
+            </a:fontRef>
+          </p:style>
+          <p:txBody>
+            <a:bodyPr rtlCol="0" anchor="ctr"/>
+            <a:lstStyle/>
+            <a:p>
+              <a:pPr algn="ctr"/>
+              <a:r>
+                <a:rPr lang="ja-JP" altLang="en-US" sz="1051" dirty="0">
+                  <a:solidFill>
+                    <a:schemeClr val="tx1"/>
+                  </a:solidFill>
+                </a:rPr>
+                <a:t>待機中</a:t>
+              </a:r>
+              <a:endParaRPr lang="en-US" altLang="ja-JP" sz="1051" dirty="0">
+                <a:solidFill>
+                  <a:schemeClr val="tx1"/>
+                </a:solidFill>
+              </a:endParaRPr>
+            </a:p>
+          </p:txBody>
+        </p:sp>
+      </p:grpSp>
+      <p:grpSp>
+        <p:nvGrpSpPr>
+          <p:cNvPr id="47" name="グループ化 46">
+            <a:extLst>
+              <a:ext uri="{FF2B5EF4-FFF2-40B4-BE49-F238E27FC236}">
+                <a16:creationId xmlns:a16="http://schemas.microsoft.com/office/drawing/2014/main" id="{1B09CCEF-D1F1-4FA3-BCDD-6731B739CCBD}"/>
+              </a:ext>
+            </a:extLst>
+          </p:cNvPr>
+          <p:cNvGrpSpPr/>
+          <p:nvPr/>
+        </p:nvGrpSpPr>
+        <p:grpSpPr>
+          <a:xfrm>
+            <a:off x="2911544" y="1229972"/>
+            <a:ext cx="1024356" cy="1554297"/>
+            <a:chOff x="1098550" y="4042503"/>
+            <a:chExt cx="1440000" cy="2184974"/>
+          </a:xfrm>
+        </p:grpSpPr>
+        <p:sp>
+          <p:nvSpPr>
+            <p:cNvPr id="48" name="正方形/長方形 47">
+              <a:extLst>
+                <a:ext uri="{FF2B5EF4-FFF2-40B4-BE49-F238E27FC236}">
+                  <a16:creationId xmlns:a16="http://schemas.microsoft.com/office/drawing/2014/main" id="{E1C03D76-A755-457B-AEF3-69ACED1AC5B9}"/>
+                </a:ext>
+              </a:extLst>
+            </p:cNvPr>
+            <p:cNvSpPr/>
+            <p:nvPr/>
+          </p:nvSpPr>
+          <p:spPr>
+            <a:xfrm>
+              <a:off x="1098550" y="4042503"/>
+              <a:ext cx="1440000" cy="1440000"/>
+            </a:xfrm>
+            <a:prstGeom prst="rect">
+              <a:avLst/>
+            </a:prstGeom>
+            <a:solidFill>
+              <a:schemeClr val="bg1"/>
+            </a:solidFill>
+            <a:ln>
+              <a:solidFill>
+                <a:schemeClr val="tx1"/>
+              </a:solidFill>
+            </a:ln>
+          </p:spPr>
+          <p:style>
+            <a:lnRef idx="2">
+              <a:schemeClr val="accent1">
+                <a:shade val="50000"/>
+              </a:schemeClr>
+            </a:lnRef>
+            <a:fillRef idx="1">
+              <a:schemeClr val="accent1"/>
+            </a:fillRef>
+            <a:effectRef idx="0">
+              <a:schemeClr val="accent1"/>
+            </a:effectRef>
+            <a:fontRef idx="minor">
+              <a:schemeClr val="lt1"/>
+            </a:fontRef>
+          </p:style>
+          <p:txBody>
+            <a:bodyPr rtlCol="0" anchor="ctr"/>
+            <a:lstStyle/>
+            <a:p>
+              <a:pPr algn="ctr"/>
+              <a:r>
+                <a:rPr lang="ja-JP" altLang="en-US" dirty="0">
+                  <a:solidFill>
+                    <a:schemeClr val="tx1"/>
+                  </a:solidFill>
+                </a:rPr>
+                <a:t>写真</a:t>
+              </a:r>
+            </a:p>
+          </p:txBody>
+        </p:sp>
+        <p:sp>
+          <p:nvSpPr>
+            <p:cNvPr id="49" name="正方形/長方形 48">
+              <a:extLst>
+                <a:ext uri="{FF2B5EF4-FFF2-40B4-BE49-F238E27FC236}">
+                  <a16:creationId xmlns:a16="http://schemas.microsoft.com/office/drawing/2014/main" id="{EDD27708-9C56-45AB-9CB8-2A6D063C54AD}"/>
+                </a:ext>
+              </a:extLst>
+            </p:cNvPr>
+            <p:cNvSpPr/>
+            <p:nvPr/>
+          </p:nvSpPr>
+          <p:spPr>
+            <a:xfrm>
+              <a:off x="1098550" y="5482503"/>
+              <a:ext cx="1440000" cy="744974"/>
+            </a:xfrm>
+            <a:prstGeom prst="rect">
+              <a:avLst/>
+            </a:prstGeom>
+            <a:solidFill>
+              <a:schemeClr val="bg1"/>
+            </a:solidFill>
+            <a:ln>
+              <a:solidFill>
+                <a:schemeClr val="tx1"/>
+              </a:solidFill>
+            </a:ln>
+          </p:spPr>
+          <p:style>
+            <a:lnRef idx="2">
+              <a:schemeClr val="accent1">
+                <a:shade val="50000"/>
+              </a:schemeClr>
+            </a:lnRef>
+            <a:fillRef idx="1">
+              <a:schemeClr val="accent1"/>
+            </a:fillRef>
+            <a:effectRef idx="0">
+              <a:schemeClr val="accent1"/>
+            </a:effectRef>
+            <a:fontRef idx="minor">
+              <a:schemeClr val="lt1"/>
+            </a:fontRef>
+          </p:style>
+          <p:txBody>
+            <a:bodyPr rtlCol="0" anchor="ctr"/>
+            <a:lstStyle/>
+            <a:p>
+              <a:pPr algn="ctr"/>
+              <a:r>
+                <a:rPr lang="ja-JP" altLang="en-US" sz="1051" dirty="0">
+                  <a:solidFill>
+                    <a:schemeClr val="tx1"/>
+                  </a:solidFill>
+                </a:rPr>
+                <a:t>出勤中！</a:t>
+              </a:r>
+              <a:endParaRPr lang="en-US" altLang="ja-JP" sz="1051" dirty="0">
+                <a:solidFill>
+                  <a:schemeClr val="tx1"/>
+                </a:solidFill>
+              </a:endParaRPr>
+            </a:p>
+            <a:p>
+              <a:pPr algn="ctr"/>
+              <a:r>
+                <a:rPr lang="en-US" altLang="ja-JP" sz="1051" dirty="0">
+                  <a:solidFill>
+                    <a:schemeClr val="tx1"/>
+                  </a:solidFill>
+                </a:rPr>
+                <a:t>14:00~20:00</a:t>
+              </a:r>
+            </a:p>
+          </p:txBody>
+        </p:sp>
+      </p:grpSp>
+      <p:grpSp>
+        <p:nvGrpSpPr>
+          <p:cNvPr id="50" name="グループ化 49">
+            <a:extLst>
+              <a:ext uri="{FF2B5EF4-FFF2-40B4-BE49-F238E27FC236}">
+                <a16:creationId xmlns:a16="http://schemas.microsoft.com/office/drawing/2014/main" id="{F4443121-41F3-408B-AE5D-719ABEF0895C}"/>
+              </a:ext>
+            </a:extLst>
+          </p:cNvPr>
+          <p:cNvGrpSpPr/>
+          <p:nvPr/>
+        </p:nvGrpSpPr>
+        <p:grpSpPr>
+          <a:xfrm>
+            <a:off x="1807445" y="1229972"/>
+            <a:ext cx="1024356" cy="1554297"/>
+            <a:chOff x="1098550" y="4042503"/>
+            <a:chExt cx="1440000" cy="2184974"/>
+          </a:xfrm>
+        </p:grpSpPr>
+        <p:sp>
+          <p:nvSpPr>
+            <p:cNvPr id="51" name="正方形/長方形 50">
+              <a:extLst>
+                <a:ext uri="{FF2B5EF4-FFF2-40B4-BE49-F238E27FC236}">
+                  <a16:creationId xmlns:a16="http://schemas.microsoft.com/office/drawing/2014/main" id="{54EDB20D-46FF-4995-9FC7-F19635BF8E27}"/>
+                </a:ext>
+              </a:extLst>
+            </p:cNvPr>
+            <p:cNvSpPr/>
+            <p:nvPr/>
+          </p:nvSpPr>
+          <p:spPr>
+            <a:xfrm>
+              <a:off x="1098550" y="4042503"/>
+              <a:ext cx="1440000" cy="1440000"/>
+            </a:xfrm>
+            <a:prstGeom prst="rect">
+              <a:avLst/>
+            </a:prstGeom>
+            <a:solidFill>
+              <a:schemeClr val="bg1"/>
+            </a:solidFill>
+            <a:ln>
+              <a:solidFill>
+                <a:schemeClr val="tx1"/>
+              </a:solidFill>
+            </a:ln>
+          </p:spPr>
+          <p:style>
+            <a:lnRef idx="2">
+              <a:schemeClr val="accent1">
+                <a:shade val="50000"/>
+              </a:schemeClr>
+            </a:lnRef>
+            <a:fillRef idx="1">
+              <a:schemeClr val="accent1"/>
+            </a:fillRef>
+            <a:effectRef idx="0">
+              <a:schemeClr val="accent1"/>
+            </a:effectRef>
+            <a:fontRef idx="minor">
+              <a:schemeClr val="lt1"/>
+            </a:fontRef>
+          </p:style>
+          <p:txBody>
+            <a:bodyPr rtlCol="0" anchor="ctr"/>
+            <a:lstStyle/>
+            <a:p>
+              <a:pPr algn="ctr"/>
+              <a:r>
+                <a:rPr lang="ja-JP" altLang="en-US" dirty="0">
+                  <a:solidFill>
+                    <a:schemeClr val="tx1"/>
+                  </a:solidFill>
+                </a:rPr>
+                <a:t>写真</a:t>
+              </a:r>
+            </a:p>
+          </p:txBody>
+        </p:sp>
+        <p:sp>
+          <p:nvSpPr>
+            <p:cNvPr id="52" name="正方形/長方形 51">
+              <a:extLst>
+                <a:ext uri="{FF2B5EF4-FFF2-40B4-BE49-F238E27FC236}">
+                  <a16:creationId xmlns:a16="http://schemas.microsoft.com/office/drawing/2014/main" id="{A21847DD-AE35-4A24-878D-C89C3732D2BD}"/>
+                </a:ext>
+              </a:extLst>
+            </p:cNvPr>
+            <p:cNvSpPr/>
+            <p:nvPr/>
+          </p:nvSpPr>
+          <p:spPr>
+            <a:xfrm>
+              <a:off x="1098550" y="5482503"/>
+              <a:ext cx="1440000" cy="744974"/>
+            </a:xfrm>
+            <a:prstGeom prst="rect">
+              <a:avLst/>
+            </a:prstGeom>
+            <a:solidFill>
+              <a:schemeClr val="bg1"/>
+            </a:solidFill>
+            <a:ln>
+              <a:solidFill>
+                <a:schemeClr val="tx1"/>
+              </a:solidFill>
+            </a:ln>
+          </p:spPr>
+          <p:style>
+            <a:lnRef idx="2">
+              <a:schemeClr val="accent1">
+                <a:shade val="50000"/>
+              </a:schemeClr>
+            </a:lnRef>
+            <a:fillRef idx="1">
+              <a:schemeClr val="accent1"/>
+            </a:fillRef>
+            <a:effectRef idx="0">
+              <a:schemeClr val="accent1"/>
+            </a:effectRef>
+            <a:fontRef idx="minor">
+              <a:schemeClr val="lt1"/>
+            </a:fontRef>
+          </p:style>
+          <p:txBody>
+            <a:bodyPr rtlCol="0" anchor="ctr"/>
+            <a:lstStyle/>
+            <a:p>
+              <a:pPr algn="ctr"/>
+              <a:r>
+                <a:rPr lang="ja-JP" altLang="en-US" sz="1051" dirty="0">
+                  <a:solidFill>
+                    <a:schemeClr val="tx1"/>
+                  </a:solidFill>
+                </a:rPr>
+                <a:t>出勤中！</a:t>
+              </a:r>
+              <a:endParaRPr lang="en-US" altLang="ja-JP" sz="1051" dirty="0">
+                <a:solidFill>
+                  <a:schemeClr val="tx1"/>
+                </a:solidFill>
+              </a:endParaRPr>
+            </a:p>
+            <a:p>
+              <a:pPr algn="ctr"/>
+              <a:r>
+                <a:rPr lang="en-US" altLang="ja-JP" sz="1051" dirty="0">
+                  <a:solidFill>
+                    <a:schemeClr val="tx1"/>
+                  </a:solidFill>
+                </a:rPr>
+                <a:t>14:00~20:00</a:t>
+              </a:r>
+            </a:p>
+          </p:txBody>
+        </p:sp>
+      </p:grpSp>
+      <p:grpSp>
+        <p:nvGrpSpPr>
+          <p:cNvPr id="53" name="グループ化 52">
+            <a:extLst>
+              <a:ext uri="{FF2B5EF4-FFF2-40B4-BE49-F238E27FC236}">
+                <a16:creationId xmlns:a16="http://schemas.microsoft.com/office/drawing/2014/main" id="{55ACEC95-301C-4E5C-80B5-442B424C39BD}"/>
+              </a:ext>
+            </a:extLst>
+          </p:cNvPr>
+          <p:cNvGrpSpPr/>
+          <p:nvPr/>
+        </p:nvGrpSpPr>
+        <p:grpSpPr>
+          <a:xfrm>
+            <a:off x="4026610" y="1229972"/>
+            <a:ext cx="1024356" cy="1554297"/>
+            <a:chOff x="1098550" y="4042503"/>
+            <a:chExt cx="1440000" cy="2184974"/>
+          </a:xfrm>
+        </p:grpSpPr>
+        <p:sp>
+          <p:nvSpPr>
+            <p:cNvPr id="54" name="正方形/長方形 53">
+              <a:extLst>
+                <a:ext uri="{FF2B5EF4-FFF2-40B4-BE49-F238E27FC236}">
+                  <a16:creationId xmlns:a16="http://schemas.microsoft.com/office/drawing/2014/main" id="{B41C3DA2-E220-4479-8E36-A3E0B52AD62F}"/>
+                </a:ext>
+              </a:extLst>
+            </p:cNvPr>
+            <p:cNvSpPr/>
+            <p:nvPr/>
+          </p:nvSpPr>
+          <p:spPr>
+            <a:xfrm>
+              <a:off x="1098550" y="4042503"/>
+              <a:ext cx="1440000" cy="1440000"/>
+            </a:xfrm>
+            <a:prstGeom prst="rect">
+              <a:avLst/>
+            </a:prstGeom>
+            <a:solidFill>
+              <a:schemeClr val="bg1"/>
+            </a:solidFill>
+            <a:ln>
+              <a:solidFill>
+                <a:schemeClr val="tx1"/>
+              </a:solidFill>
+            </a:ln>
+          </p:spPr>
+          <p:style>
+            <a:lnRef idx="2">
+              <a:schemeClr val="accent1">
+                <a:shade val="50000"/>
+              </a:schemeClr>
+            </a:lnRef>
+            <a:fillRef idx="1">
+              <a:schemeClr val="accent1"/>
+            </a:fillRef>
+            <a:effectRef idx="0">
+              <a:schemeClr val="accent1"/>
+            </a:effectRef>
+            <a:fontRef idx="minor">
+              <a:schemeClr val="lt1"/>
+            </a:fontRef>
+          </p:style>
+          <p:txBody>
+            <a:bodyPr rtlCol="0" anchor="ctr"/>
+            <a:lstStyle/>
+            <a:p>
+              <a:pPr algn="ctr"/>
+              <a:r>
+                <a:rPr lang="ja-JP" altLang="en-US" dirty="0">
+                  <a:solidFill>
+                    <a:schemeClr val="tx1"/>
+                  </a:solidFill>
+                </a:rPr>
+                <a:t>写真</a:t>
+              </a:r>
+            </a:p>
+          </p:txBody>
+        </p:sp>
+        <p:sp>
+          <p:nvSpPr>
+            <p:cNvPr id="55" name="正方形/長方形 54">
+              <a:extLst>
+                <a:ext uri="{FF2B5EF4-FFF2-40B4-BE49-F238E27FC236}">
+                  <a16:creationId xmlns:a16="http://schemas.microsoft.com/office/drawing/2014/main" id="{3DC9BEA0-A5DD-4260-9C8A-A55E4D232CC2}"/>
+                </a:ext>
+              </a:extLst>
+            </p:cNvPr>
+            <p:cNvSpPr/>
+            <p:nvPr/>
+          </p:nvSpPr>
+          <p:spPr>
+            <a:xfrm>
+              <a:off x="1098550" y="5482503"/>
+              <a:ext cx="1440000" cy="744974"/>
+            </a:xfrm>
+            <a:prstGeom prst="rect">
+              <a:avLst/>
+            </a:prstGeom>
+            <a:solidFill>
+              <a:schemeClr val="bg1"/>
+            </a:solidFill>
+            <a:ln>
+              <a:solidFill>
+                <a:schemeClr val="tx1"/>
+              </a:solidFill>
+            </a:ln>
+          </p:spPr>
+          <p:style>
+            <a:lnRef idx="2">
+              <a:schemeClr val="accent1">
+                <a:shade val="50000"/>
+              </a:schemeClr>
+            </a:lnRef>
+            <a:fillRef idx="1">
+              <a:schemeClr val="accent1"/>
+            </a:fillRef>
+            <a:effectRef idx="0">
+              <a:schemeClr val="accent1"/>
+            </a:effectRef>
+            <a:fontRef idx="minor">
+              <a:schemeClr val="lt1"/>
+            </a:fontRef>
+          </p:style>
+          <p:txBody>
+            <a:bodyPr rtlCol="0" anchor="ctr"/>
+            <a:lstStyle/>
+            <a:p>
+              <a:pPr algn="ctr"/>
+              <a:r>
+                <a:rPr lang="ja-JP" altLang="en-US" sz="1051" dirty="0">
+                  <a:solidFill>
+                    <a:schemeClr val="tx1"/>
+                  </a:solidFill>
+                </a:rPr>
+                <a:t>待機中</a:t>
+              </a:r>
+              <a:endParaRPr lang="en-US" altLang="ja-JP" sz="1051" dirty="0">
+                <a:solidFill>
+                  <a:schemeClr val="tx1"/>
+                </a:solidFill>
+              </a:endParaRPr>
+            </a:p>
+          </p:txBody>
+        </p:sp>
+      </p:grpSp>
+      <p:sp>
+        <p:nvSpPr>
+          <p:cNvPr id="6" name="楕円 5">
+            <a:extLst>
+              <a:ext uri="{FF2B5EF4-FFF2-40B4-BE49-F238E27FC236}">
+                <a16:creationId xmlns:a16="http://schemas.microsoft.com/office/drawing/2014/main" id="{46AA21A2-5276-49F4-9B9E-9A7A95E4593C}"/>
+              </a:ext>
+            </a:extLst>
+          </p:cNvPr>
+          <p:cNvSpPr/>
+          <p:nvPr/>
+        </p:nvSpPr>
+        <p:spPr>
+          <a:xfrm>
+            <a:off x="768533" y="1287459"/>
+            <a:ext cx="200024" cy="200024"/>
+          </a:xfrm>
+          <a:prstGeom prst="ellipse">
+            <a:avLst/>
+          </a:prstGeom>
+          <a:solidFill>
+            <a:srgbClr val="92D050"/>
+          </a:solidFill>
+          <a:ln>
+            <a:noFill/>
+          </a:ln>
+        </p:spPr>
+        <p:style>
+          <a:lnRef idx="2">
+            <a:schemeClr val="accent1">
+              <a:shade val="50000"/>
+            </a:schemeClr>
+          </a:lnRef>
+          <a:fillRef idx="1">
+            <a:schemeClr val="accent1"/>
+          </a:fillRef>
+          <a:effectRef idx="0">
+            <a:schemeClr val="accent1"/>
+          </a:effectRef>
+          <a:fontRef idx="minor">
+            <a:schemeClr val="lt1"/>
+          </a:fontRef>
+        </p:style>
+        <p:txBody>
+          <a:bodyPr rtlCol="0" anchor="ctr"/>
+          <a:lstStyle/>
+          <a:p>
+            <a:pPr algn="ctr"/>
+            <a:endParaRPr kumimoji="1" lang="ja-JP" altLang="en-US"/>
+          </a:p>
+        </p:txBody>
+      </p:sp>
+      <p:sp>
+        <p:nvSpPr>
+          <p:cNvPr id="57" name="楕円 56">
+            <a:extLst>
+              <a:ext uri="{FF2B5EF4-FFF2-40B4-BE49-F238E27FC236}">
+                <a16:creationId xmlns:a16="http://schemas.microsoft.com/office/drawing/2014/main" id="{EF4132B0-E358-4488-A710-A0E3FD0DA1E0}"/>
+              </a:ext>
+            </a:extLst>
+          </p:cNvPr>
+          <p:cNvSpPr/>
+          <p:nvPr/>
+        </p:nvSpPr>
+        <p:spPr>
+          <a:xfrm>
+            <a:off x="1863804" y="1289189"/>
+            <a:ext cx="200024" cy="200024"/>
+          </a:xfrm>
+          <a:prstGeom prst="ellipse">
+            <a:avLst/>
+          </a:prstGeom>
+          <a:solidFill>
+            <a:srgbClr val="92D050"/>
+          </a:solidFill>
+          <a:ln>
+            <a:noFill/>
+          </a:ln>
+        </p:spPr>
+        <p:style>
+          <a:lnRef idx="2">
+            <a:schemeClr val="accent1">
+              <a:shade val="50000"/>
+            </a:schemeClr>
+          </a:lnRef>
+          <a:fillRef idx="1">
+            <a:schemeClr val="accent1"/>
+          </a:fillRef>
+          <a:effectRef idx="0">
+            <a:schemeClr val="accent1"/>
+          </a:effectRef>
+          <a:fontRef idx="minor">
+            <a:schemeClr val="lt1"/>
+          </a:fontRef>
+        </p:style>
+        <p:txBody>
+          <a:bodyPr rtlCol="0" anchor="ctr"/>
+          <a:lstStyle/>
+          <a:p>
+            <a:pPr algn="ctr"/>
+            <a:endParaRPr kumimoji="1" lang="ja-JP" altLang="en-US"/>
+          </a:p>
+        </p:txBody>
+      </p:sp>
+      <p:sp>
+        <p:nvSpPr>
+          <p:cNvPr id="58" name="楕円 57">
+            <a:extLst>
+              <a:ext uri="{FF2B5EF4-FFF2-40B4-BE49-F238E27FC236}">
+                <a16:creationId xmlns:a16="http://schemas.microsoft.com/office/drawing/2014/main" id="{5ABB5A17-D8C9-4E98-9B78-C0294BFDDE68}"/>
+              </a:ext>
+            </a:extLst>
+          </p:cNvPr>
+          <p:cNvSpPr/>
+          <p:nvPr/>
+        </p:nvSpPr>
+        <p:spPr>
+          <a:xfrm>
+            <a:off x="2966633" y="1291025"/>
+            <a:ext cx="200024" cy="200024"/>
+          </a:xfrm>
+          <a:prstGeom prst="ellipse">
+            <a:avLst/>
+          </a:prstGeom>
+          <a:solidFill>
+            <a:srgbClr val="92D050"/>
+          </a:solidFill>
+          <a:ln>
+            <a:noFill/>
+          </a:ln>
+        </p:spPr>
+        <p:style>
+          <a:lnRef idx="2">
+            <a:schemeClr val="accent1">
+              <a:shade val="50000"/>
+            </a:schemeClr>
+          </a:lnRef>
+          <a:fillRef idx="1">
+            <a:schemeClr val="accent1"/>
+          </a:fillRef>
+          <a:effectRef idx="0">
+            <a:schemeClr val="accent1"/>
+          </a:effectRef>
+          <a:fontRef idx="minor">
+            <a:schemeClr val="lt1"/>
+          </a:fontRef>
+        </p:style>
+        <p:txBody>
+          <a:bodyPr rtlCol="0" anchor="ctr"/>
+          <a:lstStyle/>
+          <a:p>
+            <a:pPr algn="ctr"/>
+            <a:endParaRPr kumimoji="1" lang="ja-JP" altLang="en-US"/>
           </a:p>
         </p:txBody>
       </p:sp>
